--- a/120/nmop-chairs-slides.pptx
+++ b/120/nmop-chairs-slides.pptx
@@ -281,7 +281,7 @@
 <file path=ppt/revisionInfo.xml><?xml version="1.0" encoding="utf-8"?>
 <p1510:revInfo xmlns:a="http://schemas.openxmlformats.org/drawingml/2006/main" xmlns:r="http://schemas.openxmlformats.org/officeDocument/2006/relationships" xmlns:p1510="http://schemas.microsoft.com/office/powerpoint/2015/10/main">
   <p1510:revLst>
-    <p1510:client id="{04B23A7E-399E-471A-AF15-99BD7BD17AB6}" v="16" dt="2024-07-09T13:42:56.534"/>
+    <p1510:client id="{D2F81640-DBF7-4596-A85C-8BBE2BAACBF2}" v="2" dt="2024-07-16T10:16:55.856"/>
   </p1510:revLst>
 </p1510:revInfo>
 </file>
@@ -337,6 +337,93 @@
             <pc:docMk/>
             <pc:sldMk cId="514278596" sldId="274"/>
             <ac:spMk id="5" creationId="{3856129A-94B9-0425-E3E2-66E6DE494147}"/>
+          </ac:spMkLst>
+        </pc:spChg>
+      </pc:sldChg>
+    </pc:docChg>
+  </pc:docChgLst>
+  <pc:docChgLst>
+    <pc:chgData name="BOUCADAIR Mohamed INNOV/NET" userId="2acbca90-6db1-4111-98c4-832797dda751" providerId="ADAL" clId="{D2F81640-DBF7-4596-A85C-8BBE2BAACBF2}"/>
+    <pc:docChg chg="custSel modSld">
+      <pc:chgData name="BOUCADAIR Mohamed INNOV/NET" userId="2acbca90-6db1-4111-98c4-832797dda751" providerId="ADAL" clId="{D2F81640-DBF7-4596-A85C-8BBE2BAACBF2}" dt="2024-07-16T10:18:13.267" v="236" actId="20577"/>
+      <pc:docMkLst>
+        <pc:docMk/>
+      </pc:docMkLst>
+      <pc:sldChg chg="addSp delSp modSp mod">
+        <pc:chgData name="BOUCADAIR Mohamed INNOV/NET" userId="2acbca90-6db1-4111-98c4-832797dda751" providerId="ADAL" clId="{D2F81640-DBF7-4596-A85C-8BBE2BAACBF2}" dt="2024-07-16T10:15:03.546" v="116" actId="207"/>
+        <pc:sldMkLst>
+          <pc:docMk/>
+          <pc:sldMk cId="19349701" sldId="263"/>
+        </pc:sldMkLst>
+        <pc:spChg chg="mod">
+          <ac:chgData name="BOUCADAIR Mohamed INNOV/NET" userId="2acbca90-6db1-4111-98c4-832797dda751" providerId="ADAL" clId="{D2F81640-DBF7-4596-A85C-8BBE2BAACBF2}" dt="2024-07-16T10:13:55.185" v="81" actId="1076"/>
+          <ac:spMkLst>
+            <pc:docMk/>
+            <pc:sldMk cId="19349701" sldId="263"/>
+            <ac:spMk id="3" creationId="{83D20BE9-2246-7E23-23A9-3B3575F16427}"/>
+          </ac:spMkLst>
+        </pc:spChg>
+        <pc:spChg chg="add del mod">
+          <ac:chgData name="BOUCADAIR Mohamed INNOV/NET" userId="2acbca90-6db1-4111-98c4-832797dda751" providerId="ADAL" clId="{D2F81640-DBF7-4596-A85C-8BBE2BAACBF2}" dt="2024-07-16T10:12:38.365" v="43" actId="478"/>
+          <ac:spMkLst>
+            <pc:docMk/>
+            <pc:sldMk cId="19349701" sldId="263"/>
+            <ac:spMk id="5" creationId="{D704E20F-8DE7-83C2-C8DB-53E580978B4E}"/>
+          </ac:spMkLst>
+        </pc:spChg>
+        <pc:spChg chg="add mod">
+          <ac:chgData name="BOUCADAIR Mohamed INNOV/NET" userId="2acbca90-6db1-4111-98c4-832797dda751" providerId="ADAL" clId="{D2F81640-DBF7-4596-A85C-8BBE2BAACBF2}" dt="2024-07-16T10:14:40.571" v="113" actId="207"/>
+          <ac:spMkLst>
+            <pc:docMk/>
+            <pc:sldMk cId="19349701" sldId="263"/>
+            <ac:spMk id="6" creationId="{BCA2001A-51BF-45CB-C2B7-BB9B0CA4A33D}"/>
+          </ac:spMkLst>
+        </pc:spChg>
+        <pc:spChg chg="add mod ord">
+          <ac:chgData name="BOUCADAIR Mohamed INNOV/NET" userId="2acbca90-6db1-4111-98c4-832797dda751" providerId="ADAL" clId="{D2F81640-DBF7-4596-A85C-8BBE2BAACBF2}" dt="2024-07-16T10:14:05.825" v="108" actId="1037"/>
+          <ac:spMkLst>
+            <pc:docMk/>
+            <pc:sldMk cId="19349701" sldId="263"/>
+            <ac:spMk id="7" creationId="{2B7E25EF-AEAB-D46F-394B-F805E54DA742}"/>
+          </ac:spMkLst>
+        </pc:spChg>
+        <pc:spChg chg="add mod">
+          <ac:chgData name="BOUCADAIR Mohamed INNOV/NET" userId="2acbca90-6db1-4111-98c4-832797dda751" providerId="ADAL" clId="{D2F81640-DBF7-4596-A85C-8BBE2BAACBF2}" dt="2024-07-16T10:15:03.546" v="116" actId="207"/>
+          <ac:spMkLst>
+            <pc:docMk/>
+            <pc:sldMk cId="19349701" sldId="263"/>
+            <ac:spMk id="8" creationId="{43CBEF85-868C-DB6D-8E15-BC44095515A0}"/>
+          </ac:spMkLst>
+        </pc:spChg>
+      </pc:sldChg>
+      <pc:sldChg chg="addSp delSp modSp mod">
+        <pc:chgData name="BOUCADAIR Mohamed INNOV/NET" userId="2acbca90-6db1-4111-98c4-832797dda751" providerId="ADAL" clId="{D2F81640-DBF7-4596-A85C-8BBE2BAACBF2}" dt="2024-07-16T10:18:13.267" v="236" actId="20577"/>
+        <pc:sldMkLst>
+          <pc:docMk/>
+          <pc:sldMk cId="514278596" sldId="274"/>
+        </pc:sldMkLst>
+        <pc:spChg chg="mod">
+          <ac:chgData name="BOUCADAIR Mohamed INNOV/NET" userId="2acbca90-6db1-4111-98c4-832797dda751" providerId="ADAL" clId="{D2F81640-DBF7-4596-A85C-8BBE2BAACBF2}" dt="2024-07-16T10:18:13.267" v="236" actId="20577"/>
+          <ac:spMkLst>
+            <pc:docMk/>
+            <pc:sldMk cId="514278596" sldId="274"/>
+            <ac:spMk id="5" creationId="{3856129A-94B9-0425-E3E2-66E6DE494147}"/>
+          </ac:spMkLst>
+        </pc:spChg>
+        <pc:spChg chg="add del mod">
+          <ac:chgData name="BOUCADAIR Mohamed INNOV/NET" userId="2acbca90-6db1-4111-98c4-832797dda751" providerId="ADAL" clId="{D2F81640-DBF7-4596-A85C-8BBE2BAACBF2}" dt="2024-07-16T10:17:47.377" v="230" actId="478"/>
+          <ac:spMkLst>
+            <pc:docMk/>
+            <pc:sldMk cId="514278596" sldId="274"/>
+            <ac:spMk id="6" creationId="{2AF546A0-30B2-8592-4398-B35176E22E58}"/>
+          </ac:spMkLst>
+        </pc:spChg>
+        <pc:spChg chg="add del mod">
+          <ac:chgData name="BOUCADAIR Mohamed INNOV/NET" userId="2acbca90-6db1-4111-98c4-832797dda751" providerId="ADAL" clId="{D2F81640-DBF7-4596-A85C-8BBE2BAACBF2}" dt="2024-07-16T10:17:49.657" v="231" actId="478"/>
+          <ac:spMkLst>
+            <pc:docMk/>
+            <pc:sldMk cId="514278596" sldId="274"/>
+            <ac:spMk id="7" creationId="{DCD64453-FCEB-586A-5A4E-B232DB3AEA38}"/>
           </ac:spMkLst>
         </pc:spChg>
       </pc:sldChg>
@@ -18210,8 +18297,8 @@
         </p:nvSpPr>
         <p:spPr>
           <a:xfrm>
-            <a:off x="960212" y="4259943"/>
-            <a:ext cx="7711888" cy="738664"/>
+            <a:off x="899701" y="3758505"/>
+            <a:ext cx="7711888" cy="1169551"/>
           </a:xfrm>
           <a:prstGeom prst="rect">
             <a:avLst/>
@@ -18228,6 +18315,15 @@
             <a:spAutoFit/>
           </a:bodyPr>
           <a:lstStyle/>
+          <a:p>
+            <a:r>
+              <a:rPr lang="en-US" i="1" dirty="0"/>
+              <a:t>Three of current WG’s priorities are covered by hackathons, with on site participants</a:t>
+            </a:r>
+          </a:p>
+          <a:p>
+            <a:endParaRPr lang="en-US" i="1" dirty="0"/>
+          </a:p>
           <a:p>
             <a:r>
               <a:rPr lang="en-US" i="1" dirty="0"/>
@@ -18546,6 +18642,56 @@
       </p:grpSpPr>
       <p:sp>
         <p:nvSpPr>
+          <p:cNvPr id="7" name="Rectangle 6">
+            <a:extLst>
+              <a:ext uri="{FF2B5EF4-FFF2-40B4-BE49-F238E27FC236}">
+                <a16:creationId xmlns:a16="http://schemas.microsoft.com/office/drawing/2014/main" id="{2B7E25EF-AEAB-D46F-394B-F805E54DA742}"/>
+              </a:ext>
+            </a:extLst>
+          </p:cNvPr>
+          <p:cNvSpPr/>
+          <p:nvPr/>
+        </p:nvSpPr>
+        <p:spPr>
+          <a:xfrm>
+            <a:off x="165015" y="2716609"/>
+            <a:ext cx="7452704" cy="1653685"/>
+          </a:xfrm>
+          <a:prstGeom prst="rect">
+            <a:avLst/>
+          </a:prstGeom>
+          <a:solidFill>
+            <a:srgbClr val="92D050"/>
+          </a:solidFill>
+          <a:ln w="12700"/>
+        </p:spPr>
+        <p:style>
+          <a:lnRef idx="2">
+            <a:schemeClr val="accent1">
+              <a:shade val="15000"/>
+            </a:schemeClr>
+          </a:lnRef>
+          <a:fillRef idx="1">
+            <a:schemeClr val="accent1"/>
+          </a:fillRef>
+          <a:effectRef idx="0">
+            <a:schemeClr val="accent1"/>
+          </a:effectRef>
+          <a:fontRef idx="minor">
+            <a:schemeClr val="lt1"/>
+          </a:fontRef>
+        </p:style>
+        <p:txBody>
+          <a:bodyPr rtlCol="0" anchor="ctr"/>
+          <a:lstStyle/>
+          <a:p>
+            <a:pPr algn="ctr"/>
+            <a:endParaRPr lang="fr-FR"/>
+          </a:p>
+        </p:txBody>
+      </p:sp>
+      <p:sp>
+        <p:nvSpPr>
           <p:cNvPr id="2" name="Titre 1">
             <a:extLst>
               <a:ext uri="{FF2B5EF4-FFF2-40B4-BE49-F238E27FC236}">
@@ -18601,7 +18747,12 @@
             <p:ph type="body" idx="1"/>
           </p:nvPr>
         </p:nvSpPr>
-        <p:spPr/>
+        <p:spPr>
+          <a:xfrm>
+            <a:off x="-99268" y="1898448"/>
+            <a:ext cx="8222100" cy="2710201"/>
+          </a:xfrm>
+        </p:spPr>
         <p:txBody>
           <a:bodyPr/>
           <a:lstStyle/>
@@ -18680,6 +18831,137 @@
               <a:t>13</a:t>
             </a:fld>
             <a:endParaRPr lang="en-US"/>
+          </a:p>
+        </p:txBody>
+      </p:sp>
+      <p:sp>
+        <p:nvSpPr>
+          <p:cNvPr id="6" name="ZoneTexte 5">
+            <a:extLst>
+              <a:ext uri="{FF2B5EF4-FFF2-40B4-BE49-F238E27FC236}">
+                <a16:creationId xmlns:a16="http://schemas.microsoft.com/office/drawing/2014/main" id="{BCA2001A-51BF-45CB-C2B7-BB9B0CA4A33D}"/>
+              </a:ext>
+            </a:extLst>
+          </p:cNvPr>
+          <p:cNvSpPr txBox="1"/>
+          <p:nvPr/>
+        </p:nvSpPr>
+        <p:spPr>
+          <a:xfrm>
+            <a:off x="7639911" y="2716609"/>
+            <a:ext cx="1504089" cy="1600438"/>
+          </a:xfrm>
+          <a:prstGeom prst="rect">
+            <a:avLst/>
+          </a:prstGeom>
+          <a:solidFill>
+            <a:srgbClr val="92D050"/>
+          </a:solidFill>
+          <a:ln>
+            <a:solidFill>
+              <a:schemeClr val="tx1"/>
+            </a:solidFill>
+          </a:ln>
+        </p:spPr>
+        <p:txBody>
+          <a:bodyPr wrap="square" rtlCol="0">
+            <a:spAutoFit/>
+          </a:bodyPr>
+          <a:lstStyle/>
+          <a:p>
+            <a:pPr algn="ctr"/>
+            <a:r>
+              <a:rPr lang="en-US" b="1" dirty="0">
+                <a:solidFill>
+                  <a:srgbClr val="FF0000"/>
+                </a:solidFill>
+              </a:rPr>
+              <a:t>IETF#120:</a:t>
+            </a:r>
+          </a:p>
+          <a:p>
+            <a:pPr algn="ctr"/>
+            <a:endParaRPr lang="en-US" b="1" dirty="0">
+              <a:solidFill>
+                <a:srgbClr val="00B0F0"/>
+              </a:solidFill>
+            </a:endParaRPr>
+          </a:p>
+          <a:p>
+            <a:pPr algn="ctr"/>
+            <a:r>
+              <a:rPr lang="en-US" b="1" dirty="0">
+                <a:solidFill>
+                  <a:srgbClr val="00B0F0"/>
+                </a:solidFill>
+              </a:rPr>
+              <a:t> </a:t>
+            </a:r>
+            <a:r>
+              <a:rPr lang="en-US" b="1" dirty="0">
+                <a:solidFill>
+                  <a:srgbClr val="FF0000"/>
+                </a:solidFill>
+              </a:rPr>
+              <a:t>Covered by Hackathons, with on site participants</a:t>
+            </a:r>
+          </a:p>
+          <a:p>
+            <a:pPr algn="ctr"/>
+            <a:endParaRPr lang="fr-FR" b="1" dirty="0">
+              <a:solidFill>
+                <a:srgbClr val="00B0F0"/>
+              </a:solidFill>
+            </a:endParaRPr>
+          </a:p>
+        </p:txBody>
+      </p:sp>
+      <p:sp>
+        <p:nvSpPr>
+          <p:cNvPr id="8" name="Émoticône 7">
+            <a:extLst>
+              <a:ext uri="{FF2B5EF4-FFF2-40B4-BE49-F238E27FC236}">
+                <a16:creationId xmlns:a16="http://schemas.microsoft.com/office/drawing/2014/main" id="{43CBEF85-868C-DB6D-8E15-BC44095515A0}"/>
+              </a:ext>
+            </a:extLst>
+          </p:cNvPr>
+          <p:cNvSpPr/>
+          <p:nvPr/>
+        </p:nvSpPr>
+        <p:spPr>
+          <a:xfrm>
+            <a:off x="7617719" y="2591186"/>
+            <a:ext cx="336884" cy="275781"/>
+          </a:xfrm>
+          <a:prstGeom prst="smileyFace">
+            <a:avLst/>
+          </a:prstGeom>
+          <a:solidFill>
+            <a:srgbClr val="FFC000"/>
+          </a:solidFill>
+        </p:spPr>
+        <p:style>
+          <a:lnRef idx="2">
+            <a:schemeClr val="accent1">
+              <a:shade val="15000"/>
+            </a:schemeClr>
+          </a:lnRef>
+          <a:fillRef idx="1">
+            <a:schemeClr val="accent1"/>
+          </a:fillRef>
+          <a:effectRef idx="0">
+            <a:schemeClr val="accent1"/>
+          </a:effectRef>
+          <a:fontRef idx="minor">
+            <a:schemeClr val="lt1"/>
+          </a:fontRef>
+        </p:style>
+        <p:txBody>
+          <a:bodyPr rtlCol="0" anchor="ctr"/>
+          <a:lstStyle/>
+          <a:p>
+            <a:pPr algn="ctr"/>
+            <a:endParaRPr lang="fr-FR"/>
           </a:p>
         </p:txBody>
       </p:sp>
@@ -20210,7 +20492,7 @@
         <p:fade/>
       </p:transition>
     </mc:Choice>
-    <mc:Fallback xmlns="" xmlns:mv="urn:schemas-microsoft-com:mac:vml" xmlns:c="http://schemas.openxmlformats.org/drawingml/2006/chart" xmlns:dgm="http://schemas.openxmlformats.org/drawingml/2006/diagram" xmlns:o="urn:schemas-microsoft-com:office:office" xmlns:v="urn:schemas-microsoft-com:vml" xmlns:pvml="urn:schemas-microsoft-com:office:powerpoint" xmlns:com="http://schemas.openxmlformats.org/drawingml/2006/compatibility" xmlns:p15="http://schemas.microsoft.com/office/powerpoint/2012/main" xmlns:ahyp="http://schemas.microsoft.com/office/drawing/2018/hyperlinkcolor">
+    <mc:Fallback xmlns:ahyp="http://schemas.microsoft.com/office/drawing/2018/hyperlinkcolor" xmlns:p15="http://schemas.microsoft.com/office/powerpoint/2012/main" xmlns:com="http://schemas.openxmlformats.org/drawingml/2006/compatibility" xmlns:pvml="urn:schemas-microsoft-com:office:powerpoint" xmlns:v="urn:schemas-microsoft-com:vml" xmlns:o="urn:schemas-microsoft-com:office:office" xmlns:dgm="http://schemas.openxmlformats.org/drawingml/2006/diagram" xmlns:c="http://schemas.openxmlformats.org/drawingml/2006/chart" xmlns:mv="urn:schemas-microsoft-com:mac:vml" xmlns="">
       <p:transition spd="slow">
         <p:fade/>
       </p:transition>
@@ -20545,7 +20827,7 @@
         <p:fade/>
       </p:transition>
     </mc:Choice>
-    <mc:Fallback xmlns="" xmlns:mv="urn:schemas-microsoft-com:mac:vml" xmlns:c="http://schemas.openxmlformats.org/drawingml/2006/chart" xmlns:dgm="http://schemas.openxmlformats.org/drawingml/2006/diagram" xmlns:o="urn:schemas-microsoft-com:office:office" xmlns:v="urn:schemas-microsoft-com:vml" xmlns:pvml="urn:schemas-microsoft-com:office:powerpoint" xmlns:com="http://schemas.openxmlformats.org/drawingml/2006/compatibility" xmlns:p15="http://schemas.microsoft.com/office/powerpoint/2012/main" xmlns:ahyp="http://schemas.microsoft.com/office/drawing/2018/hyperlinkcolor">
+    <mc:Fallback xmlns:ahyp="http://schemas.microsoft.com/office/drawing/2018/hyperlinkcolor" xmlns:p15="http://schemas.microsoft.com/office/powerpoint/2012/main" xmlns:com="http://schemas.openxmlformats.org/drawingml/2006/compatibility" xmlns:pvml="urn:schemas-microsoft-com:office:powerpoint" xmlns:v="urn:schemas-microsoft-com:vml" xmlns:o="urn:schemas-microsoft-com:office:office" xmlns:dgm="http://schemas.openxmlformats.org/drawingml/2006/diagram" xmlns:c="http://schemas.openxmlformats.org/drawingml/2006/chart" xmlns:mv="urn:schemas-microsoft-com:mac:vml" xmlns="">
       <p:transition spd="slow">
         <p:fade/>
       </p:transition>

--- a/120/nmop-chairs-slides.pptx
+++ b/120/nmop-chairs-slides.pptx
@@ -281,13 +281,179 @@
 <file path=ppt/revisionInfo.xml><?xml version="1.0" encoding="utf-8"?>
 <p1510:revInfo xmlns:a="http://schemas.openxmlformats.org/drawingml/2006/main" xmlns:r="http://schemas.openxmlformats.org/officeDocument/2006/relationships" xmlns:p1510="http://schemas.microsoft.com/office/powerpoint/2015/10/main">
   <p1510:revLst>
-    <p1510:client id="{D2F81640-DBF7-4596-A85C-8BBE2BAACBF2}" v="2" dt="2024-07-16T10:16:55.856"/>
+    <p1510:client id="{59F6FDA4-2B5F-4B5B-B88E-9904D84ED0E1}" v="3" dt="2024-07-25T10:24:09.882"/>
+    <p1510:client id="{5E7AF159-790E-476D-B646-0EA162FC4C56}" v="5" dt="2024-07-25T10:33:15.526"/>
   </p1510:revLst>
 </p1510:revInfo>
 </file>
 
 <file path=ppt/changesInfos/changesInfo1.xml><?xml version="1.0" encoding="utf-8"?>
 <pc:chgInfo xmlns:a="http://schemas.openxmlformats.org/drawingml/2006/main" xmlns:r="http://schemas.openxmlformats.org/officeDocument/2006/relationships" xmlns:ac="http://schemas.microsoft.com/office/drawing/2013/main/command" xmlns:pc="http://schemas.microsoft.com/office/powerpoint/2013/main/command">
+  <pc:docChgLst>
+    <pc:chgData name="BOUCADAIR Mohamed INNOV/NET" userId="2acbca90-6db1-4111-98c4-832797dda751" providerId="ADAL" clId="{5E7AF159-790E-476D-B646-0EA162FC4C56}"/>
+    <pc:docChg chg="custSel modSld">
+      <pc:chgData name="BOUCADAIR Mohamed INNOV/NET" userId="2acbca90-6db1-4111-98c4-832797dda751" providerId="ADAL" clId="{5E7AF159-790E-476D-B646-0EA162FC4C56}" dt="2024-07-25T10:31:23.642" v="34" actId="207"/>
+      <pc:docMkLst>
+        <pc:docMk/>
+      </pc:docMkLst>
+      <pc:sldChg chg="addSp delSp modSp mod">
+        <pc:chgData name="BOUCADAIR Mohamed INNOV/NET" userId="2acbca90-6db1-4111-98c4-832797dda751" providerId="ADAL" clId="{5E7AF159-790E-476D-B646-0EA162FC4C56}" dt="2024-07-25T10:31:23.642" v="34" actId="207"/>
+        <pc:sldMkLst>
+          <pc:docMk/>
+          <pc:sldMk cId="513082138" sldId="271"/>
+        </pc:sldMkLst>
+        <pc:spChg chg="add del mod">
+          <ac:chgData name="BOUCADAIR Mohamed INNOV/NET" userId="2acbca90-6db1-4111-98c4-832797dda751" providerId="ADAL" clId="{5E7AF159-790E-476D-B646-0EA162FC4C56}" dt="2024-07-25T10:30:18.251" v="6" actId="478"/>
+          <ac:spMkLst>
+            <pc:docMk/>
+            <pc:sldMk cId="513082138" sldId="271"/>
+            <ac:spMk id="7" creationId="{959513DF-7598-B39D-5374-43A00E7C1D11}"/>
+          </ac:spMkLst>
+        </pc:spChg>
+        <pc:spChg chg="add mod">
+          <ac:chgData name="BOUCADAIR Mohamed INNOV/NET" userId="2acbca90-6db1-4111-98c4-832797dda751" providerId="ADAL" clId="{5E7AF159-790E-476D-B646-0EA162FC4C56}" dt="2024-07-25T10:31:06.040" v="19" actId="14100"/>
+          <ac:spMkLst>
+            <pc:docMk/>
+            <pc:sldMk cId="513082138" sldId="271"/>
+            <ac:spMk id="8" creationId="{5DFD05E8-7913-434C-25CA-289688FED3CE}"/>
+          </ac:spMkLst>
+        </pc:spChg>
+        <pc:spChg chg="add mod">
+          <ac:chgData name="BOUCADAIR Mohamed INNOV/NET" userId="2acbca90-6db1-4111-98c4-832797dda751" providerId="ADAL" clId="{5E7AF159-790E-476D-B646-0EA162FC4C56}" dt="2024-07-25T10:31:23.642" v="34" actId="207"/>
+          <ac:spMkLst>
+            <pc:docMk/>
+            <pc:sldMk cId="513082138" sldId="271"/>
+            <ac:spMk id="9" creationId="{2328023F-1C93-51F0-A761-742333E90631}"/>
+          </ac:spMkLst>
+        </pc:spChg>
+        <pc:picChg chg="add mod">
+          <ac:chgData name="BOUCADAIR Mohamed INNOV/NET" userId="2acbca90-6db1-4111-98c4-832797dda751" providerId="ADAL" clId="{5E7AF159-790E-476D-B646-0EA162FC4C56}" dt="2024-07-25T10:29:41.283" v="2" actId="1076"/>
+          <ac:picMkLst>
+            <pc:docMk/>
+            <pc:sldMk cId="513082138" sldId="271"/>
+            <ac:picMk id="5" creationId="{AF5338B3-82EF-B6E1-3E64-A69B18A3C63B}"/>
+          </ac:picMkLst>
+        </pc:picChg>
+        <pc:picChg chg="del">
+          <ac:chgData name="BOUCADAIR Mohamed INNOV/NET" userId="2acbca90-6db1-4111-98c4-832797dda751" providerId="ADAL" clId="{5E7AF159-790E-476D-B646-0EA162FC4C56}" dt="2024-07-25T10:29:38.004" v="0" actId="478"/>
+          <ac:picMkLst>
+            <pc:docMk/>
+            <pc:sldMk cId="513082138" sldId="271"/>
+            <ac:picMk id="6" creationId="{12D77918-8ECB-6E5D-0965-E81951B65AA8}"/>
+          </ac:picMkLst>
+        </pc:picChg>
+      </pc:sldChg>
+    </pc:docChg>
+  </pc:docChgLst>
+  <pc:docChgLst>
+    <pc:chgData name="BOUCADAIR Mohamed INNOV/NET" userId="2acbca90-6db1-4111-98c4-832797dda751" providerId="ADAL" clId="{59F6FDA4-2B5F-4B5B-B88E-9904D84ED0E1}"/>
+    <pc:docChg chg="custSel addSld delSld modSld">
+      <pc:chgData name="BOUCADAIR Mohamed INNOV/NET" userId="2acbca90-6db1-4111-98c4-832797dda751" providerId="ADAL" clId="{59F6FDA4-2B5F-4B5B-B88E-9904D84ED0E1}" dt="2024-07-25T10:26:57.628" v="582" actId="6549"/>
+      <pc:docMkLst>
+        <pc:docMk/>
+      </pc:docMkLst>
+      <pc:sldChg chg="modSp mod">
+        <pc:chgData name="BOUCADAIR Mohamed INNOV/NET" userId="2acbca90-6db1-4111-98c4-832797dda751" providerId="ADAL" clId="{59F6FDA4-2B5F-4B5B-B88E-9904D84ED0E1}" dt="2024-07-25T10:26:57.628" v="582" actId="6549"/>
+        <pc:sldMkLst>
+          <pc:docMk/>
+          <pc:sldMk cId="2749868532" sldId="268"/>
+        </pc:sldMkLst>
+        <pc:spChg chg="mod">
+          <ac:chgData name="BOUCADAIR Mohamed INNOV/NET" userId="2acbca90-6db1-4111-98c4-832797dda751" providerId="ADAL" clId="{59F6FDA4-2B5F-4B5B-B88E-9904D84ED0E1}" dt="2024-07-25T10:26:57.628" v="582" actId="6549"/>
+          <ac:spMkLst>
+            <pc:docMk/>
+            <pc:sldMk cId="2749868532" sldId="268"/>
+            <ac:spMk id="9" creationId="{BB4F778F-8939-B422-821F-330027B1D08E}"/>
+          </ac:spMkLst>
+        </pc:spChg>
+      </pc:sldChg>
+      <pc:sldChg chg="addSp modSp mod">
+        <pc:chgData name="BOUCADAIR Mohamed INNOV/NET" userId="2acbca90-6db1-4111-98c4-832797dda751" providerId="ADAL" clId="{59F6FDA4-2B5F-4B5B-B88E-9904D84ED0E1}" dt="2024-07-25T10:26:22.246" v="567"/>
+        <pc:sldMkLst>
+          <pc:docMk/>
+          <pc:sldMk cId="3664032414" sldId="270"/>
+        </pc:sldMkLst>
+        <pc:spChg chg="add mod">
+          <ac:chgData name="BOUCADAIR Mohamed INNOV/NET" userId="2acbca90-6db1-4111-98c4-832797dda751" providerId="ADAL" clId="{59F6FDA4-2B5F-4B5B-B88E-9904D84ED0E1}" dt="2024-07-25T10:26:22.246" v="567"/>
+          <ac:spMkLst>
+            <pc:docMk/>
+            <pc:sldMk cId="3664032414" sldId="270"/>
+            <ac:spMk id="3" creationId="{FB0EA3CF-BB8A-1C4E-7A3A-DC28DBA68DD9}"/>
+          </ac:spMkLst>
+        </pc:spChg>
+      </pc:sldChg>
+      <pc:sldChg chg="modSp mod">
+        <pc:chgData name="BOUCADAIR Mohamed INNOV/NET" userId="2acbca90-6db1-4111-98c4-832797dda751" providerId="ADAL" clId="{59F6FDA4-2B5F-4B5B-B88E-9904D84ED0E1}" dt="2024-07-25T10:26:31.140" v="569"/>
+        <pc:sldMkLst>
+          <pc:docMk/>
+          <pc:sldMk cId="514278596" sldId="274"/>
+        </pc:sldMkLst>
+        <pc:spChg chg="mod">
+          <ac:chgData name="BOUCADAIR Mohamed INNOV/NET" userId="2acbca90-6db1-4111-98c4-832797dda751" providerId="ADAL" clId="{59F6FDA4-2B5F-4B5B-B88E-9904D84ED0E1}" dt="2024-07-25T10:26:31.140" v="569"/>
+          <ac:spMkLst>
+            <pc:docMk/>
+            <pc:sldMk cId="514278596" sldId="274"/>
+            <ac:spMk id="5" creationId="{3856129A-94B9-0425-E3E2-66E6DE494147}"/>
+          </ac:spMkLst>
+        </pc:spChg>
+      </pc:sldChg>
+      <pc:sldChg chg="addSp delSp modSp new del mod">
+        <pc:chgData name="BOUCADAIR Mohamed INNOV/NET" userId="2acbca90-6db1-4111-98c4-832797dda751" providerId="ADAL" clId="{59F6FDA4-2B5F-4B5B-B88E-9904D84ED0E1}" dt="2024-07-25T10:24:29.805" v="528" actId="47"/>
+        <pc:sldMkLst>
+          <pc:docMk/>
+          <pc:sldMk cId="1210538029" sldId="276"/>
+        </pc:sldMkLst>
+        <pc:spChg chg="mod">
+          <ac:chgData name="BOUCADAIR Mohamed INNOV/NET" userId="2acbca90-6db1-4111-98c4-832797dda751" providerId="ADAL" clId="{59F6FDA4-2B5F-4B5B-B88E-9904D84ED0E1}" dt="2024-07-25T10:22:05.753" v="475" actId="20577"/>
+          <ac:spMkLst>
+            <pc:docMk/>
+            <pc:sldMk cId="1210538029" sldId="276"/>
+            <ac:spMk id="2" creationId="{8D0A9E63-A403-35AB-D257-445F2EB3A880}"/>
+          </ac:spMkLst>
+        </pc:spChg>
+        <pc:spChg chg="del">
+          <ac:chgData name="BOUCADAIR Mohamed INNOV/NET" userId="2acbca90-6db1-4111-98c4-832797dda751" providerId="ADAL" clId="{59F6FDA4-2B5F-4B5B-B88E-9904D84ED0E1}" dt="2024-07-25T10:21:46.178" v="467" actId="478"/>
+          <ac:spMkLst>
+            <pc:docMk/>
+            <pc:sldMk cId="1210538029" sldId="276"/>
+            <ac:spMk id="3" creationId="{63CE1D58-85E9-DF46-42CD-DDE5467A2C8D}"/>
+          </ac:spMkLst>
+        </pc:spChg>
+        <pc:spChg chg="add mod">
+          <ac:chgData name="BOUCADAIR Mohamed INNOV/NET" userId="2acbca90-6db1-4111-98c4-832797dda751" providerId="ADAL" clId="{59F6FDA4-2B5F-4B5B-B88E-9904D84ED0E1}" dt="2024-07-25T10:22:39.318" v="482" actId="208"/>
+          <ac:spMkLst>
+            <pc:docMk/>
+            <pc:sldMk cId="1210538029" sldId="276"/>
+            <ac:spMk id="7" creationId="{D1B45DFC-0642-CD92-0761-37A3232DD028}"/>
+          </ac:spMkLst>
+        </pc:spChg>
+        <pc:spChg chg="add mod">
+          <ac:chgData name="BOUCADAIR Mohamed INNOV/NET" userId="2acbca90-6db1-4111-98c4-832797dda751" providerId="ADAL" clId="{59F6FDA4-2B5F-4B5B-B88E-9904D84ED0E1}" dt="2024-07-25T10:22:45.686" v="483" actId="1076"/>
+          <ac:spMkLst>
+            <pc:docMk/>
+            <pc:sldMk cId="1210538029" sldId="276"/>
+            <ac:spMk id="8" creationId="{322AA1CE-42C4-221C-C03C-3ADDE5E9428A}"/>
+          </ac:spMkLst>
+        </pc:spChg>
+        <pc:spChg chg="add mod">
+          <ac:chgData name="BOUCADAIR Mohamed INNOV/NET" userId="2acbca90-6db1-4111-98c4-832797dda751" providerId="ADAL" clId="{59F6FDA4-2B5F-4B5B-B88E-9904D84ED0E1}" dt="2024-07-25T10:24:21.471" v="527" actId="14100"/>
+          <ac:spMkLst>
+            <pc:docMk/>
+            <pc:sldMk cId="1210538029" sldId="276"/>
+            <ac:spMk id="9" creationId="{AE3EC158-B6C2-83CD-C9E4-0C689DEC06B5}"/>
+          </ac:spMkLst>
+        </pc:spChg>
+        <pc:picChg chg="add mod">
+          <ac:chgData name="BOUCADAIR Mohamed INNOV/NET" userId="2acbca90-6db1-4111-98c4-832797dda751" providerId="ADAL" clId="{59F6FDA4-2B5F-4B5B-B88E-9904D84ED0E1}" dt="2024-07-25T10:22:03.394" v="473" actId="1076"/>
+          <ac:picMkLst>
+            <pc:docMk/>
+            <pc:sldMk cId="1210538029" sldId="276"/>
+            <ac:picMk id="6" creationId="{841BE516-3EF8-8CC1-7182-2872E92DC3D4}"/>
+          </ac:picMkLst>
+        </pc:picChg>
+      </pc:sldChg>
+    </pc:docChg>
+  </pc:docChgLst>
   <pc:docChgLst>
     <pc:chgData name="BOUCADAIR Mohamed INNOV/NET" userId="2acbca90-6db1-4111-98c4-832797dda751" providerId="ADAL" clId="{91DE2053-694C-444E-9F1C-8B0299126E9C}"/>
     <pc:docChg chg="modSld">
@@ -18300,15 +18466,502 @@
             <a:off x="899701" y="3758505"/>
             <a:ext cx="7711888" cy="1169551"/>
           </a:xfrm>
-          <a:prstGeom prst="rect">
+          <a:custGeom>
             <a:avLst/>
-          </a:prstGeom>
+            <a:gdLst>
+              <a:gd name="connsiteX0" fmla="*/ 0 w 7711888"/>
+              <a:gd name="connsiteY0" fmla="*/ 0 h 1169551"/>
+              <a:gd name="connsiteX1" fmla="*/ 565538 w 7711888"/>
+              <a:gd name="connsiteY1" fmla="*/ 0 h 1169551"/>
+              <a:gd name="connsiteX2" fmla="*/ 1053958 w 7711888"/>
+              <a:gd name="connsiteY2" fmla="*/ 0 h 1169551"/>
+              <a:gd name="connsiteX3" fmla="*/ 1696615 w 7711888"/>
+              <a:gd name="connsiteY3" fmla="*/ 0 h 1169551"/>
+              <a:gd name="connsiteX4" fmla="*/ 2262154 w 7711888"/>
+              <a:gd name="connsiteY4" fmla="*/ 0 h 1169551"/>
+              <a:gd name="connsiteX5" fmla="*/ 2827692 w 7711888"/>
+              <a:gd name="connsiteY5" fmla="*/ 0 h 1169551"/>
+              <a:gd name="connsiteX6" fmla="*/ 3547468 w 7711888"/>
+              <a:gd name="connsiteY6" fmla="*/ 0 h 1169551"/>
+              <a:gd name="connsiteX7" fmla="*/ 3958769 w 7711888"/>
+              <a:gd name="connsiteY7" fmla="*/ 0 h 1169551"/>
+              <a:gd name="connsiteX8" fmla="*/ 4370070 w 7711888"/>
+              <a:gd name="connsiteY8" fmla="*/ 0 h 1169551"/>
+              <a:gd name="connsiteX9" fmla="*/ 4935608 w 7711888"/>
+              <a:gd name="connsiteY9" fmla="*/ 0 h 1169551"/>
+              <a:gd name="connsiteX10" fmla="*/ 5655385 w 7711888"/>
+              <a:gd name="connsiteY10" fmla="*/ 0 h 1169551"/>
+              <a:gd name="connsiteX11" fmla="*/ 6143804 w 7711888"/>
+              <a:gd name="connsiteY11" fmla="*/ 0 h 1169551"/>
+              <a:gd name="connsiteX12" fmla="*/ 6632224 w 7711888"/>
+              <a:gd name="connsiteY12" fmla="*/ 0 h 1169551"/>
+              <a:gd name="connsiteX13" fmla="*/ 7711888 w 7711888"/>
+              <a:gd name="connsiteY13" fmla="*/ 0 h 1169551"/>
+              <a:gd name="connsiteX14" fmla="*/ 7711888 w 7711888"/>
+              <a:gd name="connsiteY14" fmla="*/ 573080 h 1169551"/>
+              <a:gd name="connsiteX15" fmla="*/ 7711888 w 7711888"/>
+              <a:gd name="connsiteY15" fmla="*/ 1169551 h 1169551"/>
+              <a:gd name="connsiteX16" fmla="*/ 6992112 w 7711888"/>
+              <a:gd name="connsiteY16" fmla="*/ 1169551 h 1169551"/>
+              <a:gd name="connsiteX17" fmla="*/ 6580811 w 7711888"/>
+              <a:gd name="connsiteY17" fmla="*/ 1169551 h 1169551"/>
+              <a:gd name="connsiteX18" fmla="*/ 6169510 w 7711888"/>
+              <a:gd name="connsiteY18" fmla="*/ 1169551 h 1169551"/>
+              <a:gd name="connsiteX19" fmla="*/ 5758210 w 7711888"/>
+              <a:gd name="connsiteY19" fmla="*/ 1169551 h 1169551"/>
+              <a:gd name="connsiteX20" fmla="*/ 4961315 w 7711888"/>
+              <a:gd name="connsiteY20" fmla="*/ 1169551 h 1169551"/>
+              <a:gd name="connsiteX21" fmla="*/ 4318657 w 7711888"/>
+              <a:gd name="connsiteY21" fmla="*/ 1169551 h 1169551"/>
+              <a:gd name="connsiteX22" fmla="*/ 3521762 w 7711888"/>
+              <a:gd name="connsiteY22" fmla="*/ 1169551 h 1169551"/>
+              <a:gd name="connsiteX23" fmla="*/ 2879105 w 7711888"/>
+              <a:gd name="connsiteY23" fmla="*/ 1169551 h 1169551"/>
+              <a:gd name="connsiteX24" fmla="*/ 2467804 w 7711888"/>
+              <a:gd name="connsiteY24" fmla="*/ 1169551 h 1169551"/>
+              <a:gd name="connsiteX25" fmla="*/ 1979385 w 7711888"/>
+              <a:gd name="connsiteY25" fmla="*/ 1169551 h 1169551"/>
+              <a:gd name="connsiteX26" fmla="*/ 1182489 w 7711888"/>
+              <a:gd name="connsiteY26" fmla="*/ 1169551 h 1169551"/>
+              <a:gd name="connsiteX27" fmla="*/ 616951 w 7711888"/>
+              <a:gd name="connsiteY27" fmla="*/ 1169551 h 1169551"/>
+              <a:gd name="connsiteX28" fmla="*/ 0 w 7711888"/>
+              <a:gd name="connsiteY28" fmla="*/ 1169551 h 1169551"/>
+              <a:gd name="connsiteX29" fmla="*/ 0 w 7711888"/>
+              <a:gd name="connsiteY29" fmla="*/ 573080 h 1169551"/>
+              <a:gd name="connsiteX30" fmla="*/ 0 w 7711888"/>
+              <a:gd name="connsiteY30" fmla="*/ 0 h 1169551"/>
+            </a:gdLst>
+            <a:ahLst/>
+            <a:cxnLst>
+              <a:cxn ang="0">
+                <a:pos x="connsiteX0" y="connsiteY0"/>
+              </a:cxn>
+              <a:cxn ang="0">
+                <a:pos x="connsiteX1" y="connsiteY1"/>
+              </a:cxn>
+              <a:cxn ang="0">
+                <a:pos x="connsiteX2" y="connsiteY2"/>
+              </a:cxn>
+              <a:cxn ang="0">
+                <a:pos x="connsiteX3" y="connsiteY3"/>
+              </a:cxn>
+              <a:cxn ang="0">
+                <a:pos x="connsiteX4" y="connsiteY4"/>
+              </a:cxn>
+              <a:cxn ang="0">
+                <a:pos x="connsiteX5" y="connsiteY5"/>
+              </a:cxn>
+              <a:cxn ang="0">
+                <a:pos x="connsiteX6" y="connsiteY6"/>
+              </a:cxn>
+              <a:cxn ang="0">
+                <a:pos x="connsiteX7" y="connsiteY7"/>
+              </a:cxn>
+              <a:cxn ang="0">
+                <a:pos x="connsiteX8" y="connsiteY8"/>
+              </a:cxn>
+              <a:cxn ang="0">
+                <a:pos x="connsiteX9" y="connsiteY9"/>
+              </a:cxn>
+              <a:cxn ang="0">
+                <a:pos x="connsiteX10" y="connsiteY10"/>
+              </a:cxn>
+              <a:cxn ang="0">
+                <a:pos x="connsiteX11" y="connsiteY11"/>
+              </a:cxn>
+              <a:cxn ang="0">
+                <a:pos x="connsiteX12" y="connsiteY12"/>
+              </a:cxn>
+              <a:cxn ang="0">
+                <a:pos x="connsiteX13" y="connsiteY13"/>
+              </a:cxn>
+              <a:cxn ang="0">
+                <a:pos x="connsiteX14" y="connsiteY14"/>
+              </a:cxn>
+              <a:cxn ang="0">
+                <a:pos x="connsiteX15" y="connsiteY15"/>
+              </a:cxn>
+              <a:cxn ang="0">
+                <a:pos x="connsiteX16" y="connsiteY16"/>
+              </a:cxn>
+              <a:cxn ang="0">
+                <a:pos x="connsiteX17" y="connsiteY17"/>
+              </a:cxn>
+              <a:cxn ang="0">
+                <a:pos x="connsiteX18" y="connsiteY18"/>
+              </a:cxn>
+              <a:cxn ang="0">
+                <a:pos x="connsiteX19" y="connsiteY19"/>
+              </a:cxn>
+              <a:cxn ang="0">
+                <a:pos x="connsiteX20" y="connsiteY20"/>
+              </a:cxn>
+              <a:cxn ang="0">
+                <a:pos x="connsiteX21" y="connsiteY21"/>
+              </a:cxn>
+              <a:cxn ang="0">
+                <a:pos x="connsiteX22" y="connsiteY22"/>
+              </a:cxn>
+              <a:cxn ang="0">
+                <a:pos x="connsiteX23" y="connsiteY23"/>
+              </a:cxn>
+              <a:cxn ang="0">
+                <a:pos x="connsiteX24" y="connsiteY24"/>
+              </a:cxn>
+              <a:cxn ang="0">
+                <a:pos x="connsiteX25" y="connsiteY25"/>
+              </a:cxn>
+              <a:cxn ang="0">
+                <a:pos x="connsiteX26" y="connsiteY26"/>
+              </a:cxn>
+              <a:cxn ang="0">
+                <a:pos x="connsiteX27" y="connsiteY27"/>
+              </a:cxn>
+              <a:cxn ang="0">
+                <a:pos x="connsiteX28" y="connsiteY28"/>
+              </a:cxn>
+              <a:cxn ang="0">
+                <a:pos x="connsiteX29" y="connsiteY29"/>
+              </a:cxn>
+              <a:cxn ang="0">
+                <a:pos x="connsiteX30" y="connsiteY30"/>
+              </a:cxn>
+            </a:cxnLst>
+            <a:rect l="l" t="t" r="r" b="b"/>
+            <a:pathLst>
+              <a:path w="7711888" h="1169551" fill="none" extrusionOk="0">
+                <a:moveTo>
+                  <a:pt x="0" y="0"/>
+                </a:moveTo>
+                <a:cubicBezTo>
+                  <a:pt x="238947" y="-3864"/>
+                  <a:pt x="380997" y="15535"/>
+                  <a:pt x="565538" y="0"/>
+                </a:cubicBezTo>
+                <a:cubicBezTo>
+                  <a:pt x="750079" y="-15535"/>
+                  <a:pt x="923301" y="-7190"/>
+                  <a:pt x="1053958" y="0"/>
+                </a:cubicBezTo>
+                <a:cubicBezTo>
+                  <a:pt x="1184615" y="7190"/>
+                  <a:pt x="1485150" y="-16308"/>
+                  <a:pt x="1696615" y="0"/>
+                </a:cubicBezTo>
+                <a:cubicBezTo>
+                  <a:pt x="1908080" y="16308"/>
+                  <a:pt x="2109342" y="-21759"/>
+                  <a:pt x="2262154" y="0"/>
+                </a:cubicBezTo>
+                <a:cubicBezTo>
+                  <a:pt x="2414966" y="21759"/>
+                  <a:pt x="2575545" y="18015"/>
+                  <a:pt x="2827692" y="0"/>
+                </a:cubicBezTo>
+                <a:cubicBezTo>
+                  <a:pt x="3079839" y="-18015"/>
+                  <a:pt x="3310737" y="7042"/>
+                  <a:pt x="3547468" y="0"/>
+                </a:cubicBezTo>
+                <a:cubicBezTo>
+                  <a:pt x="3784199" y="-7042"/>
+                  <a:pt x="3826307" y="-14630"/>
+                  <a:pt x="3958769" y="0"/>
+                </a:cubicBezTo>
+                <a:cubicBezTo>
+                  <a:pt x="4091231" y="14630"/>
+                  <a:pt x="4271168" y="8047"/>
+                  <a:pt x="4370070" y="0"/>
+                </a:cubicBezTo>
+                <a:cubicBezTo>
+                  <a:pt x="4468972" y="-8047"/>
+                  <a:pt x="4714232" y="-26033"/>
+                  <a:pt x="4935608" y="0"/>
+                </a:cubicBezTo>
+                <a:cubicBezTo>
+                  <a:pt x="5156984" y="26033"/>
+                  <a:pt x="5389553" y="19606"/>
+                  <a:pt x="5655385" y="0"/>
+                </a:cubicBezTo>
+                <a:cubicBezTo>
+                  <a:pt x="5921217" y="-19606"/>
+                  <a:pt x="5979921" y="14804"/>
+                  <a:pt x="6143804" y="0"/>
+                </a:cubicBezTo>
+                <a:cubicBezTo>
+                  <a:pt x="6307687" y="-14804"/>
+                  <a:pt x="6474412" y="-14634"/>
+                  <a:pt x="6632224" y="0"/>
+                </a:cubicBezTo>
+                <a:cubicBezTo>
+                  <a:pt x="6790036" y="14634"/>
+                  <a:pt x="7176551" y="-42326"/>
+                  <a:pt x="7711888" y="0"/>
+                </a:cubicBezTo>
+                <a:cubicBezTo>
+                  <a:pt x="7722934" y="123094"/>
+                  <a:pt x="7714849" y="294688"/>
+                  <a:pt x="7711888" y="573080"/>
+                </a:cubicBezTo>
+                <a:cubicBezTo>
+                  <a:pt x="7708927" y="851472"/>
+                  <a:pt x="7741648" y="988141"/>
+                  <a:pt x="7711888" y="1169551"/>
+                </a:cubicBezTo>
+                <a:cubicBezTo>
+                  <a:pt x="7408272" y="1136412"/>
+                  <a:pt x="7264251" y="1180354"/>
+                  <a:pt x="6992112" y="1169551"/>
+                </a:cubicBezTo>
+                <a:cubicBezTo>
+                  <a:pt x="6719973" y="1158748"/>
+                  <a:pt x="6749510" y="1183276"/>
+                  <a:pt x="6580811" y="1169551"/>
+                </a:cubicBezTo>
+                <a:cubicBezTo>
+                  <a:pt x="6412112" y="1155826"/>
+                  <a:pt x="6307712" y="1166806"/>
+                  <a:pt x="6169510" y="1169551"/>
+                </a:cubicBezTo>
+                <a:cubicBezTo>
+                  <a:pt x="6031308" y="1172296"/>
+                  <a:pt x="5873882" y="1157259"/>
+                  <a:pt x="5758210" y="1169551"/>
+                </a:cubicBezTo>
+                <a:cubicBezTo>
+                  <a:pt x="5642538" y="1181843"/>
+                  <a:pt x="5166191" y="1192562"/>
+                  <a:pt x="4961315" y="1169551"/>
+                </a:cubicBezTo>
+                <a:cubicBezTo>
+                  <a:pt x="4756440" y="1146540"/>
+                  <a:pt x="4575421" y="1187319"/>
+                  <a:pt x="4318657" y="1169551"/>
+                </a:cubicBezTo>
+                <a:cubicBezTo>
+                  <a:pt x="4061893" y="1151783"/>
+                  <a:pt x="3853692" y="1197494"/>
+                  <a:pt x="3521762" y="1169551"/>
+                </a:cubicBezTo>
+                <a:cubicBezTo>
+                  <a:pt x="3189833" y="1141608"/>
+                  <a:pt x="3181863" y="1187669"/>
+                  <a:pt x="2879105" y="1169551"/>
+                </a:cubicBezTo>
+                <a:cubicBezTo>
+                  <a:pt x="2576347" y="1151433"/>
+                  <a:pt x="2663584" y="1186950"/>
+                  <a:pt x="2467804" y="1169551"/>
+                </a:cubicBezTo>
+                <a:cubicBezTo>
+                  <a:pt x="2272024" y="1152152"/>
+                  <a:pt x="2130236" y="1167434"/>
+                  <a:pt x="1979385" y="1169551"/>
+                </a:cubicBezTo>
+                <a:cubicBezTo>
+                  <a:pt x="1828534" y="1171668"/>
+                  <a:pt x="1535158" y="1137507"/>
+                  <a:pt x="1182489" y="1169551"/>
+                </a:cubicBezTo>
+                <a:cubicBezTo>
+                  <a:pt x="829820" y="1201595"/>
+                  <a:pt x="829106" y="1194636"/>
+                  <a:pt x="616951" y="1169551"/>
+                </a:cubicBezTo>
+                <a:cubicBezTo>
+                  <a:pt x="404796" y="1144466"/>
+                  <a:pt x="286569" y="1142007"/>
+                  <a:pt x="0" y="1169551"/>
+                </a:cubicBezTo>
+                <a:cubicBezTo>
+                  <a:pt x="29449" y="922456"/>
+                  <a:pt x="-22018" y="794960"/>
+                  <a:pt x="0" y="573080"/>
+                </a:cubicBezTo>
+                <a:cubicBezTo>
+                  <a:pt x="22018" y="351200"/>
+                  <a:pt x="2307" y="149097"/>
+                  <a:pt x="0" y="0"/>
+                </a:cubicBezTo>
+                <a:close/>
+              </a:path>
+              <a:path w="7711888" h="1169551" stroke="0" extrusionOk="0">
+                <a:moveTo>
+                  <a:pt x="0" y="0"/>
+                </a:moveTo>
+                <a:cubicBezTo>
+                  <a:pt x="233400" y="-26104"/>
+                  <a:pt x="428808" y="21181"/>
+                  <a:pt x="565538" y="0"/>
+                </a:cubicBezTo>
+                <a:cubicBezTo>
+                  <a:pt x="702268" y="-21181"/>
+                  <a:pt x="1135775" y="-28661"/>
+                  <a:pt x="1285315" y="0"/>
+                </a:cubicBezTo>
+                <a:cubicBezTo>
+                  <a:pt x="1434855" y="28661"/>
+                  <a:pt x="1841109" y="-6636"/>
+                  <a:pt x="2005091" y="0"/>
+                </a:cubicBezTo>
+                <a:cubicBezTo>
+                  <a:pt x="2169073" y="6636"/>
+                  <a:pt x="2537893" y="-12534"/>
+                  <a:pt x="2724867" y="0"/>
+                </a:cubicBezTo>
+                <a:cubicBezTo>
+                  <a:pt x="2911841" y="12534"/>
+                  <a:pt x="3188001" y="-7428"/>
+                  <a:pt x="3367524" y="0"/>
+                </a:cubicBezTo>
+                <a:cubicBezTo>
+                  <a:pt x="3547047" y="7428"/>
+                  <a:pt x="3801288" y="22637"/>
+                  <a:pt x="3933063" y="0"/>
+                </a:cubicBezTo>
+                <a:cubicBezTo>
+                  <a:pt x="4064838" y="-22637"/>
+                  <a:pt x="4291479" y="-755"/>
+                  <a:pt x="4575720" y="0"/>
+                </a:cubicBezTo>
+                <a:cubicBezTo>
+                  <a:pt x="4859961" y="755"/>
+                  <a:pt x="5108302" y="-14129"/>
+                  <a:pt x="5372615" y="0"/>
+                </a:cubicBezTo>
+                <a:cubicBezTo>
+                  <a:pt x="5636929" y="14129"/>
+                  <a:pt x="5966864" y="28017"/>
+                  <a:pt x="6169510" y="0"/>
+                </a:cubicBezTo>
+                <a:cubicBezTo>
+                  <a:pt x="6372157" y="-28017"/>
+                  <a:pt x="6522799" y="14296"/>
+                  <a:pt x="6812168" y="0"/>
+                </a:cubicBezTo>
+                <a:cubicBezTo>
+                  <a:pt x="7101537" y="-14296"/>
+                  <a:pt x="7500517" y="-38373"/>
+                  <a:pt x="7711888" y="0"/>
+                </a:cubicBezTo>
+                <a:cubicBezTo>
+                  <a:pt x="7727979" y="264501"/>
+                  <a:pt x="7689980" y="456130"/>
+                  <a:pt x="7711888" y="584776"/>
+                </a:cubicBezTo>
+                <a:cubicBezTo>
+                  <a:pt x="7733796" y="713422"/>
+                  <a:pt x="7727986" y="915599"/>
+                  <a:pt x="7711888" y="1169551"/>
+                </a:cubicBezTo>
+                <a:cubicBezTo>
+                  <a:pt x="7595109" y="1150530"/>
+                  <a:pt x="7452961" y="1188793"/>
+                  <a:pt x="7300587" y="1169551"/>
+                </a:cubicBezTo>
+                <a:cubicBezTo>
+                  <a:pt x="7148213" y="1150309"/>
+                  <a:pt x="6976747" y="1163672"/>
+                  <a:pt x="6657930" y="1169551"/>
+                </a:cubicBezTo>
+                <a:cubicBezTo>
+                  <a:pt x="6339113" y="1175430"/>
+                  <a:pt x="6205010" y="1185634"/>
+                  <a:pt x="5938154" y="1169551"/>
+                </a:cubicBezTo>
+                <a:cubicBezTo>
+                  <a:pt x="5671298" y="1153468"/>
+                  <a:pt x="5640378" y="1181690"/>
+                  <a:pt x="5449734" y="1169551"/>
+                </a:cubicBezTo>
+                <a:cubicBezTo>
+                  <a:pt x="5259090" y="1157412"/>
+                  <a:pt x="5143212" y="1174855"/>
+                  <a:pt x="4961315" y="1169551"/>
+                </a:cubicBezTo>
+                <a:cubicBezTo>
+                  <a:pt x="4779418" y="1164247"/>
+                  <a:pt x="4712062" y="1189420"/>
+                  <a:pt x="4550014" y="1169551"/>
+                </a:cubicBezTo>
+                <a:cubicBezTo>
+                  <a:pt x="4387966" y="1149682"/>
+                  <a:pt x="4088474" y="1190294"/>
+                  <a:pt x="3753119" y="1169551"/>
+                </a:cubicBezTo>
+                <a:cubicBezTo>
+                  <a:pt x="3417764" y="1148808"/>
+                  <a:pt x="3410730" y="1191930"/>
+                  <a:pt x="3187580" y="1169551"/>
+                </a:cubicBezTo>
+                <a:cubicBezTo>
+                  <a:pt x="2964430" y="1147172"/>
+                  <a:pt x="2933041" y="1179227"/>
+                  <a:pt x="2699161" y="1169551"/>
+                </a:cubicBezTo>
+                <a:cubicBezTo>
+                  <a:pt x="2465281" y="1159875"/>
+                  <a:pt x="2381496" y="1167679"/>
+                  <a:pt x="2210741" y="1169551"/>
+                </a:cubicBezTo>
+                <a:cubicBezTo>
+                  <a:pt x="2039986" y="1171423"/>
+                  <a:pt x="1667114" y="1190483"/>
+                  <a:pt x="1490965" y="1169551"/>
+                </a:cubicBezTo>
+                <a:cubicBezTo>
+                  <a:pt x="1314816" y="1148619"/>
+                  <a:pt x="1174155" y="1169632"/>
+                  <a:pt x="1079664" y="1169551"/>
+                </a:cubicBezTo>
+                <a:cubicBezTo>
+                  <a:pt x="985173" y="1169470"/>
+                  <a:pt x="759014" y="1179475"/>
+                  <a:pt x="591245" y="1169551"/>
+                </a:cubicBezTo>
+                <a:cubicBezTo>
+                  <a:pt x="423476" y="1159627"/>
+                  <a:pt x="202680" y="1175738"/>
+                  <a:pt x="0" y="1169551"/>
+                </a:cubicBezTo>
+                <a:cubicBezTo>
+                  <a:pt x="-8961" y="966810"/>
+                  <a:pt x="-7992" y="742708"/>
+                  <a:pt x="0" y="561384"/>
+                </a:cubicBezTo>
+                <a:cubicBezTo>
+                  <a:pt x="7992" y="380060"/>
+                  <a:pt x="14773" y="215931"/>
+                  <a:pt x="0" y="0"/>
+                </a:cubicBezTo>
+                <a:close/>
+              </a:path>
+            </a:pathLst>
+          </a:custGeom>
           <a:solidFill>
             <a:schemeClr val="bg1">
               <a:lumMod val="20000"/>
               <a:lumOff val="80000"/>
             </a:schemeClr>
           </a:solidFill>
+          <a:ln>
+            <a:solidFill>
+              <a:schemeClr val="tx1"/>
+            </a:solidFill>
+            <a:extLst>
+              <a:ext uri="{C807C97D-BFC1-408E-A445-0C87EB9F89A2}">
+                <ask:lineSketchStyleProps xmlns:ask="http://schemas.microsoft.com/office/drawing/2018/sketchyshapes" sd="653172044">
+                  <a:prstGeom prst="rect">
+                    <a:avLst/>
+                  </a:prstGeom>
+                  <ask:type>
+                    <ask:lineSketchFreehand/>
+                  </ask:type>
+                </ask:lineSketchStyleProps>
+              </a:ext>
+            </a:extLst>
+          </a:ln>
         </p:spPr>
         <p:txBody>
           <a:bodyPr wrap="square" rtlCol="0">
@@ -18317,8 +18970,24 @@
           <a:lstStyle/>
           <a:p>
             <a:r>
+              <a:rPr lang="en-US" b="1" i="1" dirty="0">
+                <a:solidFill>
+                  <a:srgbClr val="00B0F0"/>
+                </a:solidFill>
+              </a:rPr>
+              <a:t>Three</a:t>
+            </a:r>
+            <a:r>
               <a:rPr lang="en-US" i="1" dirty="0"/>
-              <a:t>Three of current WG’s priorities are covered by hackathons, with on site participants</a:t>
+              <a:t> of current WG’s priorities are covered by hackathons, with </a:t>
+            </a:r>
+            <a:r>
+              <a:rPr lang="en-US" b="1" i="1" dirty="0">
+                <a:solidFill>
+                  <a:srgbClr val="00B0F0"/>
+                </a:solidFill>
+              </a:rPr>
+              <a:t>on site participants</a:t>
             </a:r>
           </a:p>
           <a:p>
@@ -21583,10 +22252,10 @@
       </p:sp>
       <p:pic>
         <p:nvPicPr>
-          <p:cNvPr id="6" name="Image 5">
+          <p:cNvPr id="5" name="Image 4">
             <a:extLst>
               <a:ext uri="{FF2B5EF4-FFF2-40B4-BE49-F238E27FC236}">
-                <a16:creationId xmlns:a16="http://schemas.microsoft.com/office/drawing/2014/main" id="{12D77918-8ECB-6E5D-0965-E81951B65AA8}"/>
+                <a16:creationId xmlns:a16="http://schemas.microsoft.com/office/drawing/2014/main" id="{AF5338B3-82EF-B6E1-3E64-A69B18A3C63B}"/>
               </a:ext>
             </a:extLst>
           </p:cNvPr>
@@ -21603,14 +22272,135 @@
         </p:blipFill>
         <p:spPr>
           <a:xfrm>
-            <a:off x="100853" y="2372748"/>
-            <a:ext cx="8767482" cy="1783051"/>
+            <a:off x="0" y="2214601"/>
+            <a:ext cx="9144000" cy="1964875"/>
           </a:xfrm>
           <a:prstGeom prst="rect">
             <a:avLst/>
           </a:prstGeom>
         </p:spPr>
       </p:pic>
+      <p:sp>
+        <p:nvSpPr>
+          <p:cNvPr id="8" name="Bulle narrative : ronde 7">
+            <a:extLst>
+              <a:ext uri="{FF2B5EF4-FFF2-40B4-BE49-F238E27FC236}">
+                <a16:creationId xmlns:a16="http://schemas.microsoft.com/office/drawing/2014/main" id="{5DFD05E8-7913-434C-25CA-289688FED3CE}"/>
+              </a:ext>
+            </a:extLst>
+          </p:cNvPr>
+          <p:cNvSpPr/>
+          <p:nvPr/>
+        </p:nvSpPr>
+        <p:spPr>
+          <a:xfrm>
+            <a:off x="5204011" y="2111187"/>
+            <a:ext cx="1122830" cy="921123"/>
+          </a:xfrm>
+          <a:prstGeom prst="wedgeEllipseCallout">
+            <a:avLst>
+              <a:gd name="adj1" fmla="val -186701"/>
+              <a:gd name="adj2" fmla="val 145712"/>
+            </a:avLst>
+          </a:prstGeom>
+          <a:solidFill>
+            <a:schemeClr val="tx1"/>
+          </a:solidFill>
+          <a:ln>
+            <a:solidFill>
+              <a:schemeClr val="tx1"/>
+            </a:solidFill>
+          </a:ln>
+        </p:spPr>
+        <p:style>
+          <a:lnRef idx="2">
+            <a:schemeClr val="accent1">
+              <a:shade val="15000"/>
+            </a:schemeClr>
+          </a:lnRef>
+          <a:fillRef idx="1">
+            <a:schemeClr val="accent1"/>
+          </a:fillRef>
+          <a:effectRef idx="0">
+            <a:schemeClr val="accent1"/>
+          </a:effectRef>
+          <a:fontRef idx="minor">
+            <a:schemeClr val="lt1"/>
+          </a:fontRef>
+        </p:style>
+        <p:txBody>
+          <a:bodyPr rtlCol="0" anchor="ctr"/>
+          <a:lstStyle/>
+          <a:p>
+            <a:pPr algn="ctr"/>
+            <a:endParaRPr lang="fr-FR"/>
+          </a:p>
+        </p:txBody>
+      </p:sp>
+      <p:sp>
+        <p:nvSpPr>
+          <p:cNvPr id="9" name="Bulle narrative : ronde 8">
+            <a:extLst>
+              <a:ext uri="{FF2B5EF4-FFF2-40B4-BE49-F238E27FC236}">
+                <a16:creationId xmlns:a16="http://schemas.microsoft.com/office/drawing/2014/main" id="{2328023F-1C93-51F0-A761-742333E90631}"/>
+              </a:ext>
+            </a:extLst>
+          </p:cNvPr>
+          <p:cNvSpPr/>
+          <p:nvPr/>
+        </p:nvSpPr>
+        <p:spPr>
+          <a:xfrm>
+            <a:off x="5204011" y="2111188"/>
+            <a:ext cx="1122830" cy="921123"/>
+          </a:xfrm>
+          <a:prstGeom prst="wedgeEllipseCallout">
+            <a:avLst>
+              <a:gd name="adj1" fmla="val -192091"/>
+              <a:gd name="adj2" fmla="val 31113"/>
+            </a:avLst>
+          </a:prstGeom>
+          <a:solidFill>
+            <a:schemeClr val="tx1"/>
+          </a:solidFill>
+          <a:ln>
+            <a:solidFill>
+              <a:schemeClr val="tx1"/>
+            </a:solidFill>
+          </a:ln>
+        </p:spPr>
+        <p:style>
+          <a:lnRef idx="2">
+            <a:schemeClr val="accent1">
+              <a:shade val="15000"/>
+            </a:schemeClr>
+          </a:lnRef>
+          <a:fillRef idx="1">
+            <a:schemeClr val="accent1"/>
+          </a:fillRef>
+          <a:effectRef idx="0">
+            <a:schemeClr val="accent1"/>
+          </a:effectRef>
+          <a:fontRef idx="minor">
+            <a:schemeClr val="lt1"/>
+          </a:fontRef>
+        </p:style>
+        <p:txBody>
+          <a:bodyPr rtlCol="0" anchor="ctr"/>
+          <a:lstStyle/>
+          <a:p>
+            <a:pPr algn="ctr"/>
+            <a:r>
+              <a:rPr lang="fr-FR" dirty="0">
+                <a:solidFill>
+                  <a:schemeClr val="accent4"/>
+                </a:solidFill>
+              </a:rPr>
+              <a:t>On the agenda</a:t>
+            </a:r>
+          </a:p>
+        </p:txBody>
+      </p:sp>
     </p:spTree>
     <p:extLst>
       <p:ext uri="{BB962C8B-B14F-4D97-AF65-F5344CB8AC3E}">
@@ -22046,6 +22836,498 @@
           </a:prstGeom>
         </p:spPr>
       </p:pic>
+      <p:sp>
+        <p:nvSpPr>
+          <p:cNvPr id="3" name="ZoneTexte 2">
+            <a:extLst>
+              <a:ext uri="{FF2B5EF4-FFF2-40B4-BE49-F238E27FC236}">
+                <a16:creationId xmlns:a16="http://schemas.microsoft.com/office/drawing/2014/main" id="{FB0EA3CF-BB8A-1C4E-7A3A-DC28DBA68DD9}"/>
+              </a:ext>
+            </a:extLst>
+          </p:cNvPr>
+          <p:cNvSpPr txBox="1"/>
+          <p:nvPr/>
+        </p:nvSpPr>
+        <p:spPr>
+          <a:xfrm>
+            <a:off x="932074" y="4105942"/>
+            <a:ext cx="7301752" cy="954107"/>
+          </a:xfrm>
+          <a:custGeom>
+            <a:avLst/>
+            <a:gdLst>
+              <a:gd name="connsiteX0" fmla="*/ 0 w 7301752"/>
+              <a:gd name="connsiteY0" fmla="*/ 0 h 954107"/>
+              <a:gd name="connsiteX1" fmla="*/ 444743 w 7301752"/>
+              <a:gd name="connsiteY1" fmla="*/ 0 h 954107"/>
+              <a:gd name="connsiteX2" fmla="*/ 962504 w 7301752"/>
+              <a:gd name="connsiteY2" fmla="*/ 0 h 954107"/>
+              <a:gd name="connsiteX3" fmla="*/ 1480264 w 7301752"/>
+              <a:gd name="connsiteY3" fmla="*/ 0 h 954107"/>
+              <a:gd name="connsiteX4" fmla="*/ 2290095 w 7301752"/>
+              <a:gd name="connsiteY4" fmla="*/ 0 h 954107"/>
+              <a:gd name="connsiteX5" fmla="*/ 3099926 w 7301752"/>
+              <a:gd name="connsiteY5" fmla="*/ 0 h 954107"/>
+              <a:gd name="connsiteX6" fmla="*/ 3763721 w 7301752"/>
+              <a:gd name="connsiteY6" fmla="*/ 0 h 954107"/>
+              <a:gd name="connsiteX7" fmla="*/ 4427517 w 7301752"/>
+              <a:gd name="connsiteY7" fmla="*/ 0 h 954107"/>
+              <a:gd name="connsiteX8" fmla="*/ 5164330 w 7301752"/>
+              <a:gd name="connsiteY8" fmla="*/ 0 h 954107"/>
+              <a:gd name="connsiteX9" fmla="*/ 5828126 w 7301752"/>
+              <a:gd name="connsiteY9" fmla="*/ 0 h 954107"/>
+              <a:gd name="connsiteX10" fmla="*/ 6491921 w 7301752"/>
+              <a:gd name="connsiteY10" fmla="*/ 0 h 954107"/>
+              <a:gd name="connsiteX11" fmla="*/ 7301752 w 7301752"/>
+              <a:gd name="connsiteY11" fmla="*/ 0 h 954107"/>
+              <a:gd name="connsiteX12" fmla="*/ 7301752 w 7301752"/>
+              <a:gd name="connsiteY12" fmla="*/ 477054 h 954107"/>
+              <a:gd name="connsiteX13" fmla="*/ 7301752 w 7301752"/>
+              <a:gd name="connsiteY13" fmla="*/ 954107 h 954107"/>
+              <a:gd name="connsiteX14" fmla="*/ 6491921 w 7301752"/>
+              <a:gd name="connsiteY14" fmla="*/ 954107 h 954107"/>
+              <a:gd name="connsiteX15" fmla="*/ 5682091 w 7301752"/>
+              <a:gd name="connsiteY15" fmla="*/ 954107 h 954107"/>
+              <a:gd name="connsiteX16" fmla="*/ 5164330 w 7301752"/>
+              <a:gd name="connsiteY16" fmla="*/ 954107 h 954107"/>
+              <a:gd name="connsiteX17" fmla="*/ 4500534 w 7301752"/>
+              <a:gd name="connsiteY17" fmla="*/ 954107 h 954107"/>
+              <a:gd name="connsiteX18" fmla="*/ 3836739 w 7301752"/>
+              <a:gd name="connsiteY18" fmla="*/ 954107 h 954107"/>
+              <a:gd name="connsiteX19" fmla="*/ 3172943 w 7301752"/>
+              <a:gd name="connsiteY19" fmla="*/ 954107 h 954107"/>
+              <a:gd name="connsiteX20" fmla="*/ 2655183 w 7301752"/>
+              <a:gd name="connsiteY20" fmla="*/ 954107 h 954107"/>
+              <a:gd name="connsiteX21" fmla="*/ 1918369 w 7301752"/>
+              <a:gd name="connsiteY21" fmla="*/ 954107 h 954107"/>
+              <a:gd name="connsiteX22" fmla="*/ 1254574 w 7301752"/>
+              <a:gd name="connsiteY22" fmla="*/ 954107 h 954107"/>
+              <a:gd name="connsiteX23" fmla="*/ 0 w 7301752"/>
+              <a:gd name="connsiteY23" fmla="*/ 954107 h 954107"/>
+              <a:gd name="connsiteX24" fmla="*/ 0 w 7301752"/>
+              <a:gd name="connsiteY24" fmla="*/ 496136 h 954107"/>
+              <a:gd name="connsiteX25" fmla="*/ 0 w 7301752"/>
+              <a:gd name="connsiteY25" fmla="*/ 0 h 954107"/>
+            </a:gdLst>
+            <a:ahLst/>
+            <a:cxnLst>
+              <a:cxn ang="0">
+                <a:pos x="connsiteX0" y="connsiteY0"/>
+              </a:cxn>
+              <a:cxn ang="0">
+                <a:pos x="connsiteX1" y="connsiteY1"/>
+              </a:cxn>
+              <a:cxn ang="0">
+                <a:pos x="connsiteX2" y="connsiteY2"/>
+              </a:cxn>
+              <a:cxn ang="0">
+                <a:pos x="connsiteX3" y="connsiteY3"/>
+              </a:cxn>
+              <a:cxn ang="0">
+                <a:pos x="connsiteX4" y="connsiteY4"/>
+              </a:cxn>
+              <a:cxn ang="0">
+                <a:pos x="connsiteX5" y="connsiteY5"/>
+              </a:cxn>
+              <a:cxn ang="0">
+                <a:pos x="connsiteX6" y="connsiteY6"/>
+              </a:cxn>
+              <a:cxn ang="0">
+                <a:pos x="connsiteX7" y="connsiteY7"/>
+              </a:cxn>
+              <a:cxn ang="0">
+                <a:pos x="connsiteX8" y="connsiteY8"/>
+              </a:cxn>
+              <a:cxn ang="0">
+                <a:pos x="connsiteX9" y="connsiteY9"/>
+              </a:cxn>
+              <a:cxn ang="0">
+                <a:pos x="connsiteX10" y="connsiteY10"/>
+              </a:cxn>
+              <a:cxn ang="0">
+                <a:pos x="connsiteX11" y="connsiteY11"/>
+              </a:cxn>
+              <a:cxn ang="0">
+                <a:pos x="connsiteX12" y="connsiteY12"/>
+              </a:cxn>
+              <a:cxn ang="0">
+                <a:pos x="connsiteX13" y="connsiteY13"/>
+              </a:cxn>
+              <a:cxn ang="0">
+                <a:pos x="connsiteX14" y="connsiteY14"/>
+              </a:cxn>
+              <a:cxn ang="0">
+                <a:pos x="connsiteX15" y="connsiteY15"/>
+              </a:cxn>
+              <a:cxn ang="0">
+                <a:pos x="connsiteX16" y="connsiteY16"/>
+              </a:cxn>
+              <a:cxn ang="0">
+                <a:pos x="connsiteX17" y="connsiteY17"/>
+              </a:cxn>
+              <a:cxn ang="0">
+                <a:pos x="connsiteX18" y="connsiteY18"/>
+              </a:cxn>
+              <a:cxn ang="0">
+                <a:pos x="connsiteX19" y="connsiteY19"/>
+              </a:cxn>
+              <a:cxn ang="0">
+                <a:pos x="connsiteX20" y="connsiteY20"/>
+              </a:cxn>
+              <a:cxn ang="0">
+                <a:pos x="connsiteX21" y="connsiteY21"/>
+              </a:cxn>
+              <a:cxn ang="0">
+                <a:pos x="connsiteX22" y="connsiteY22"/>
+              </a:cxn>
+              <a:cxn ang="0">
+                <a:pos x="connsiteX23" y="connsiteY23"/>
+              </a:cxn>
+              <a:cxn ang="0">
+                <a:pos x="connsiteX24" y="connsiteY24"/>
+              </a:cxn>
+              <a:cxn ang="0">
+                <a:pos x="connsiteX25" y="connsiteY25"/>
+              </a:cxn>
+            </a:cxnLst>
+            <a:rect l="l" t="t" r="r" b="b"/>
+            <a:pathLst>
+              <a:path w="7301752" h="954107" fill="none" extrusionOk="0">
+                <a:moveTo>
+                  <a:pt x="0" y="0"/>
+                </a:moveTo>
+                <a:cubicBezTo>
+                  <a:pt x="94461" y="-15426"/>
+                  <a:pt x="232770" y="-3438"/>
+                  <a:pt x="444743" y="0"/>
+                </a:cubicBezTo>
+                <a:cubicBezTo>
+                  <a:pt x="656716" y="3438"/>
+                  <a:pt x="725330" y="20956"/>
+                  <a:pt x="962504" y="0"/>
+                </a:cubicBezTo>
+                <a:cubicBezTo>
+                  <a:pt x="1199678" y="-20956"/>
+                  <a:pt x="1251241" y="-21489"/>
+                  <a:pt x="1480264" y="0"/>
+                </a:cubicBezTo>
+                <a:cubicBezTo>
+                  <a:pt x="1709287" y="21489"/>
+                  <a:pt x="1983246" y="2544"/>
+                  <a:pt x="2290095" y="0"/>
+                </a:cubicBezTo>
+                <a:cubicBezTo>
+                  <a:pt x="2596944" y="-2544"/>
+                  <a:pt x="2823376" y="28307"/>
+                  <a:pt x="3099926" y="0"/>
+                </a:cubicBezTo>
+                <a:cubicBezTo>
+                  <a:pt x="3376476" y="-28307"/>
+                  <a:pt x="3540473" y="-6170"/>
+                  <a:pt x="3763721" y="0"/>
+                </a:cubicBezTo>
+                <a:cubicBezTo>
+                  <a:pt x="3986970" y="6170"/>
+                  <a:pt x="4241770" y="7291"/>
+                  <a:pt x="4427517" y="0"/>
+                </a:cubicBezTo>
+                <a:cubicBezTo>
+                  <a:pt x="4613264" y="-7291"/>
+                  <a:pt x="4802620" y="-511"/>
+                  <a:pt x="5164330" y="0"/>
+                </a:cubicBezTo>
+                <a:cubicBezTo>
+                  <a:pt x="5526040" y="511"/>
+                  <a:pt x="5540207" y="31568"/>
+                  <a:pt x="5828126" y="0"/>
+                </a:cubicBezTo>
+                <a:cubicBezTo>
+                  <a:pt x="6116045" y="-31568"/>
+                  <a:pt x="6353845" y="8478"/>
+                  <a:pt x="6491921" y="0"/>
+                </a:cubicBezTo>
+                <a:cubicBezTo>
+                  <a:pt x="6629998" y="-8478"/>
+                  <a:pt x="6954815" y="-22468"/>
+                  <a:pt x="7301752" y="0"/>
+                </a:cubicBezTo>
+                <a:cubicBezTo>
+                  <a:pt x="7305311" y="228185"/>
+                  <a:pt x="7313162" y="245907"/>
+                  <a:pt x="7301752" y="477054"/>
+                </a:cubicBezTo>
+                <a:cubicBezTo>
+                  <a:pt x="7290342" y="708201"/>
+                  <a:pt x="7304535" y="842617"/>
+                  <a:pt x="7301752" y="954107"/>
+                </a:cubicBezTo>
+                <a:cubicBezTo>
+                  <a:pt x="6915259" y="987445"/>
+                  <a:pt x="6841497" y="983102"/>
+                  <a:pt x="6491921" y="954107"/>
+                </a:cubicBezTo>
+                <a:cubicBezTo>
+                  <a:pt x="6142345" y="925112"/>
+                  <a:pt x="6084275" y="959396"/>
+                  <a:pt x="5682091" y="954107"/>
+                </a:cubicBezTo>
+                <a:cubicBezTo>
+                  <a:pt x="5279907" y="948819"/>
+                  <a:pt x="5320623" y="969688"/>
+                  <a:pt x="5164330" y="954107"/>
+                </a:cubicBezTo>
+                <a:cubicBezTo>
+                  <a:pt x="5008037" y="938526"/>
+                  <a:pt x="4708219" y="932939"/>
+                  <a:pt x="4500534" y="954107"/>
+                </a:cubicBezTo>
+                <a:cubicBezTo>
+                  <a:pt x="4292849" y="975275"/>
+                  <a:pt x="4156056" y="982751"/>
+                  <a:pt x="3836739" y="954107"/>
+                </a:cubicBezTo>
+                <a:cubicBezTo>
+                  <a:pt x="3517422" y="925463"/>
+                  <a:pt x="3368216" y="943519"/>
+                  <a:pt x="3172943" y="954107"/>
+                </a:cubicBezTo>
+                <a:cubicBezTo>
+                  <a:pt x="2977670" y="964695"/>
+                  <a:pt x="2871648" y="969546"/>
+                  <a:pt x="2655183" y="954107"/>
+                </a:cubicBezTo>
+                <a:cubicBezTo>
+                  <a:pt x="2438718" y="938668"/>
+                  <a:pt x="2227199" y="962936"/>
+                  <a:pt x="1918369" y="954107"/>
+                </a:cubicBezTo>
+                <a:cubicBezTo>
+                  <a:pt x="1609539" y="945278"/>
+                  <a:pt x="1473600" y="962925"/>
+                  <a:pt x="1254574" y="954107"/>
+                </a:cubicBezTo>
+                <a:cubicBezTo>
+                  <a:pt x="1035549" y="945289"/>
+                  <a:pt x="616040" y="956807"/>
+                  <a:pt x="0" y="954107"/>
+                </a:cubicBezTo>
+                <a:cubicBezTo>
+                  <a:pt x="-7990" y="832778"/>
+                  <a:pt x="2171" y="661153"/>
+                  <a:pt x="0" y="496136"/>
+                </a:cubicBezTo>
+                <a:cubicBezTo>
+                  <a:pt x="-2171" y="331119"/>
+                  <a:pt x="15890" y="240678"/>
+                  <a:pt x="0" y="0"/>
+                </a:cubicBezTo>
+                <a:close/>
+              </a:path>
+              <a:path w="7301752" h="954107" stroke="0" extrusionOk="0">
+                <a:moveTo>
+                  <a:pt x="0" y="0"/>
+                </a:moveTo>
+                <a:cubicBezTo>
+                  <a:pt x="302558" y="-2552"/>
+                  <a:pt x="418356" y="19174"/>
+                  <a:pt x="736813" y="0"/>
+                </a:cubicBezTo>
+                <a:cubicBezTo>
+                  <a:pt x="1055270" y="-19174"/>
+                  <a:pt x="1180052" y="-2605"/>
+                  <a:pt x="1546644" y="0"/>
+                </a:cubicBezTo>
+                <a:cubicBezTo>
+                  <a:pt x="1913236" y="2605"/>
+                  <a:pt x="1837223" y="-5218"/>
+                  <a:pt x="1991387" y="0"/>
+                </a:cubicBezTo>
+                <a:cubicBezTo>
+                  <a:pt x="2145551" y="5218"/>
+                  <a:pt x="2544061" y="31318"/>
+                  <a:pt x="2801218" y="0"/>
+                </a:cubicBezTo>
+                <a:cubicBezTo>
+                  <a:pt x="3058375" y="-31318"/>
+                  <a:pt x="3345702" y="-21301"/>
+                  <a:pt x="3611048" y="0"/>
+                </a:cubicBezTo>
+                <a:cubicBezTo>
+                  <a:pt x="3876394" y="21301"/>
+                  <a:pt x="3841382" y="-21723"/>
+                  <a:pt x="4055791" y="0"/>
+                </a:cubicBezTo>
+                <a:cubicBezTo>
+                  <a:pt x="4270200" y="21723"/>
+                  <a:pt x="4398798" y="-28303"/>
+                  <a:pt x="4646569" y="0"/>
+                </a:cubicBezTo>
+                <a:cubicBezTo>
+                  <a:pt x="4894340" y="28303"/>
+                  <a:pt x="5037215" y="4293"/>
+                  <a:pt x="5310365" y="0"/>
+                </a:cubicBezTo>
+                <a:cubicBezTo>
+                  <a:pt x="5583515" y="-4293"/>
+                  <a:pt x="5569923" y="20356"/>
+                  <a:pt x="5828126" y="0"/>
+                </a:cubicBezTo>
+                <a:cubicBezTo>
+                  <a:pt x="6086329" y="-20356"/>
+                  <a:pt x="6134482" y="28702"/>
+                  <a:pt x="6418904" y="0"/>
+                </a:cubicBezTo>
+                <a:cubicBezTo>
+                  <a:pt x="6703326" y="-28702"/>
+                  <a:pt x="6906134" y="4038"/>
+                  <a:pt x="7301752" y="0"/>
+                </a:cubicBezTo>
+                <a:cubicBezTo>
+                  <a:pt x="7282537" y="159100"/>
+                  <a:pt x="7285797" y="256729"/>
+                  <a:pt x="7301752" y="496136"/>
+                </a:cubicBezTo>
+                <a:cubicBezTo>
+                  <a:pt x="7317707" y="735543"/>
+                  <a:pt x="7291183" y="749232"/>
+                  <a:pt x="7301752" y="954107"/>
+                </a:cubicBezTo>
+                <a:cubicBezTo>
+                  <a:pt x="7179191" y="956759"/>
+                  <a:pt x="7011757" y="973597"/>
+                  <a:pt x="6783991" y="954107"/>
+                </a:cubicBezTo>
+                <a:cubicBezTo>
+                  <a:pt x="6556225" y="934617"/>
+                  <a:pt x="6220352" y="969398"/>
+                  <a:pt x="6047178" y="954107"/>
+                </a:cubicBezTo>
+                <a:cubicBezTo>
+                  <a:pt x="5874004" y="938816"/>
+                  <a:pt x="5481232" y="984247"/>
+                  <a:pt x="5237348" y="954107"/>
+                </a:cubicBezTo>
+                <a:cubicBezTo>
+                  <a:pt x="4993464" y="923968"/>
+                  <a:pt x="4972249" y="956152"/>
+                  <a:pt x="4792604" y="954107"/>
+                </a:cubicBezTo>
+                <a:cubicBezTo>
+                  <a:pt x="4612959" y="952062"/>
+                  <a:pt x="4261984" y="960449"/>
+                  <a:pt x="4128809" y="954107"/>
+                </a:cubicBezTo>
+                <a:cubicBezTo>
+                  <a:pt x="3995634" y="947765"/>
+                  <a:pt x="3808742" y="963665"/>
+                  <a:pt x="3538031" y="954107"/>
+                </a:cubicBezTo>
+                <a:cubicBezTo>
+                  <a:pt x="3267320" y="944549"/>
+                  <a:pt x="3200854" y="956080"/>
+                  <a:pt x="3093288" y="954107"/>
+                </a:cubicBezTo>
+                <a:cubicBezTo>
+                  <a:pt x="2985722" y="952134"/>
+                  <a:pt x="2710886" y="952032"/>
+                  <a:pt x="2502510" y="954107"/>
+                </a:cubicBezTo>
+                <a:cubicBezTo>
+                  <a:pt x="2294134" y="956182"/>
+                  <a:pt x="2046248" y="939646"/>
+                  <a:pt x="1765696" y="954107"/>
+                </a:cubicBezTo>
+                <a:cubicBezTo>
+                  <a:pt x="1485144" y="968568"/>
+                  <a:pt x="1282719" y="974715"/>
+                  <a:pt x="955866" y="954107"/>
+                </a:cubicBezTo>
+                <a:cubicBezTo>
+                  <a:pt x="629013" y="933500"/>
+                  <a:pt x="314826" y="982986"/>
+                  <a:pt x="0" y="954107"/>
+                </a:cubicBezTo>
+                <a:cubicBezTo>
+                  <a:pt x="4686" y="818650"/>
+                  <a:pt x="-7228" y="721668"/>
+                  <a:pt x="0" y="505677"/>
+                </a:cubicBezTo>
+                <a:cubicBezTo>
+                  <a:pt x="7228" y="289686"/>
+                  <a:pt x="10968" y="236374"/>
+                  <a:pt x="0" y="0"/>
+                </a:cubicBezTo>
+                <a:close/>
+              </a:path>
+            </a:pathLst>
+          </a:custGeom>
+          <a:solidFill>
+            <a:schemeClr val="bg1">
+              <a:lumMod val="20000"/>
+              <a:lumOff val="80000"/>
+            </a:schemeClr>
+          </a:solidFill>
+          <a:ln>
+            <a:solidFill>
+              <a:schemeClr val="tx1"/>
+            </a:solidFill>
+            <a:extLst>
+              <a:ext uri="{C807C97D-BFC1-408E-A445-0C87EB9F89A2}">
+                <ask:lineSketchStyleProps xmlns:ask="http://schemas.microsoft.com/office/drawing/2018/sketchyshapes" sd="744195391">
+                  <a:prstGeom prst="rect">
+                    <a:avLst/>
+                  </a:prstGeom>
+                  <ask:type>
+                    <ask:lineSketchFreehand/>
+                  </ask:type>
+                </ask:lineSketchStyleProps>
+              </a:ext>
+            </a:extLst>
+          </a:ln>
+        </p:spPr>
+        <p:txBody>
+          <a:bodyPr wrap="square" rtlCol="0">
+            <a:spAutoFit/>
+          </a:bodyPr>
+          <a:lstStyle/>
+          <a:p>
+            <a:r>
+              <a:rPr lang="en-US" dirty="0"/>
+              <a:t>Pending APs: </a:t>
+            </a:r>
+          </a:p>
+          <a:p>
+            <a:pPr marL="285750" indent="-285750">
+              <a:buFont typeface="Arial" panose="020B0604020202020204" pitchFamily="34" charset="0"/>
+              <a:buChar char="•"/>
+            </a:pPr>
+            <a:r>
+              <a:rPr lang="en-US" dirty="0"/>
+              <a:t>Follow-up with TMF</a:t>
+            </a:r>
+          </a:p>
+          <a:p>
+            <a:pPr marL="285750" indent="-285750">
+              <a:buFont typeface="Arial" panose="020B0604020202020204" pitchFamily="34" charset="0"/>
+              <a:buChar char="•"/>
+            </a:pPr>
+            <a:r>
+              <a:rPr lang="en-US" dirty="0"/>
+              <a:t>Authors of terminology to assess/raise any terminology misalignment</a:t>
+            </a:r>
+          </a:p>
+          <a:p>
+            <a:pPr marL="285750" indent="-285750">
+              <a:buFont typeface="Arial" panose="020B0604020202020204" pitchFamily="34" charset="0"/>
+              <a:buChar char="•"/>
+            </a:pPr>
+            <a:r>
+              <a:rPr lang="en-US" dirty="0"/>
+              <a:t>Authors of incident management to check the objects mapping, in particular</a:t>
+            </a:r>
+          </a:p>
+        </p:txBody>
+      </p:sp>
     </p:spTree>
     <p:extLst>
       <p:ext uri="{BB962C8B-B14F-4D97-AF65-F5344CB8AC3E}">
@@ -22193,15 +23475,447 @@
             <a:off x="934571" y="4446805"/>
             <a:ext cx="7711888" cy="523220"/>
           </a:xfrm>
-          <a:prstGeom prst="rect">
+          <a:custGeom>
             <a:avLst/>
-          </a:prstGeom>
+            <a:gdLst>
+              <a:gd name="connsiteX0" fmla="*/ 0 w 7711888"/>
+              <a:gd name="connsiteY0" fmla="*/ 0 h 523220"/>
+              <a:gd name="connsiteX1" fmla="*/ 719776 w 7711888"/>
+              <a:gd name="connsiteY1" fmla="*/ 0 h 523220"/>
+              <a:gd name="connsiteX2" fmla="*/ 1516671 w 7711888"/>
+              <a:gd name="connsiteY2" fmla="*/ 0 h 523220"/>
+              <a:gd name="connsiteX3" fmla="*/ 2082210 w 7711888"/>
+              <a:gd name="connsiteY3" fmla="*/ 0 h 523220"/>
+              <a:gd name="connsiteX4" fmla="*/ 2570629 w 7711888"/>
+              <a:gd name="connsiteY4" fmla="*/ 0 h 523220"/>
+              <a:gd name="connsiteX5" fmla="*/ 3059049 w 7711888"/>
+              <a:gd name="connsiteY5" fmla="*/ 0 h 523220"/>
+              <a:gd name="connsiteX6" fmla="*/ 3701706 w 7711888"/>
+              <a:gd name="connsiteY6" fmla="*/ 0 h 523220"/>
+              <a:gd name="connsiteX7" fmla="*/ 4267245 w 7711888"/>
+              <a:gd name="connsiteY7" fmla="*/ 0 h 523220"/>
+              <a:gd name="connsiteX8" fmla="*/ 4987021 w 7711888"/>
+              <a:gd name="connsiteY8" fmla="*/ 0 h 523220"/>
+              <a:gd name="connsiteX9" fmla="*/ 5629678 w 7711888"/>
+              <a:gd name="connsiteY9" fmla="*/ 0 h 523220"/>
+              <a:gd name="connsiteX10" fmla="*/ 6426573 w 7711888"/>
+              <a:gd name="connsiteY10" fmla="*/ 0 h 523220"/>
+              <a:gd name="connsiteX11" fmla="*/ 7146350 w 7711888"/>
+              <a:gd name="connsiteY11" fmla="*/ 0 h 523220"/>
+              <a:gd name="connsiteX12" fmla="*/ 7711888 w 7711888"/>
+              <a:gd name="connsiteY12" fmla="*/ 0 h 523220"/>
+              <a:gd name="connsiteX13" fmla="*/ 7711888 w 7711888"/>
+              <a:gd name="connsiteY13" fmla="*/ 523220 h 523220"/>
+              <a:gd name="connsiteX14" fmla="*/ 7069231 w 7711888"/>
+              <a:gd name="connsiteY14" fmla="*/ 523220 h 523220"/>
+              <a:gd name="connsiteX15" fmla="*/ 6349454 w 7711888"/>
+              <a:gd name="connsiteY15" fmla="*/ 523220 h 523220"/>
+              <a:gd name="connsiteX16" fmla="*/ 5552559 w 7711888"/>
+              <a:gd name="connsiteY16" fmla="*/ 523220 h 523220"/>
+              <a:gd name="connsiteX17" fmla="*/ 4909902 w 7711888"/>
+              <a:gd name="connsiteY17" fmla="*/ 523220 h 523220"/>
+              <a:gd name="connsiteX18" fmla="*/ 4267245 w 7711888"/>
+              <a:gd name="connsiteY18" fmla="*/ 523220 h 523220"/>
+              <a:gd name="connsiteX19" fmla="*/ 3701706 w 7711888"/>
+              <a:gd name="connsiteY19" fmla="*/ 523220 h 523220"/>
+              <a:gd name="connsiteX20" fmla="*/ 2904811 w 7711888"/>
+              <a:gd name="connsiteY20" fmla="*/ 523220 h 523220"/>
+              <a:gd name="connsiteX21" fmla="*/ 2262154 w 7711888"/>
+              <a:gd name="connsiteY21" fmla="*/ 523220 h 523220"/>
+              <a:gd name="connsiteX22" fmla="*/ 1696615 w 7711888"/>
+              <a:gd name="connsiteY22" fmla="*/ 523220 h 523220"/>
+              <a:gd name="connsiteX23" fmla="*/ 1131077 w 7711888"/>
+              <a:gd name="connsiteY23" fmla="*/ 523220 h 523220"/>
+              <a:gd name="connsiteX24" fmla="*/ 565538 w 7711888"/>
+              <a:gd name="connsiteY24" fmla="*/ 523220 h 523220"/>
+              <a:gd name="connsiteX25" fmla="*/ 0 w 7711888"/>
+              <a:gd name="connsiteY25" fmla="*/ 523220 h 523220"/>
+              <a:gd name="connsiteX26" fmla="*/ 0 w 7711888"/>
+              <a:gd name="connsiteY26" fmla="*/ 0 h 523220"/>
+            </a:gdLst>
+            <a:ahLst/>
+            <a:cxnLst>
+              <a:cxn ang="0">
+                <a:pos x="connsiteX0" y="connsiteY0"/>
+              </a:cxn>
+              <a:cxn ang="0">
+                <a:pos x="connsiteX1" y="connsiteY1"/>
+              </a:cxn>
+              <a:cxn ang="0">
+                <a:pos x="connsiteX2" y="connsiteY2"/>
+              </a:cxn>
+              <a:cxn ang="0">
+                <a:pos x="connsiteX3" y="connsiteY3"/>
+              </a:cxn>
+              <a:cxn ang="0">
+                <a:pos x="connsiteX4" y="connsiteY4"/>
+              </a:cxn>
+              <a:cxn ang="0">
+                <a:pos x="connsiteX5" y="connsiteY5"/>
+              </a:cxn>
+              <a:cxn ang="0">
+                <a:pos x="connsiteX6" y="connsiteY6"/>
+              </a:cxn>
+              <a:cxn ang="0">
+                <a:pos x="connsiteX7" y="connsiteY7"/>
+              </a:cxn>
+              <a:cxn ang="0">
+                <a:pos x="connsiteX8" y="connsiteY8"/>
+              </a:cxn>
+              <a:cxn ang="0">
+                <a:pos x="connsiteX9" y="connsiteY9"/>
+              </a:cxn>
+              <a:cxn ang="0">
+                <a:pos x="connsiteX10" y="connsiteY10"/>
+              </a:cxn>
+              <a:cxn ang="0">
+                <a:pos x="connsiteX11" y="connsiteY11"/>
+              </a:cxn>
+              <a:cxn ang="0">
+                <a:pos x="connsiteX12" y="connsiteY12"/>
+              </a:cxn>
+              <a:cxn ang="0">
+                <a:pos x="connsiteX13" y="connsiteY13"/>
+              </a:cxn>
+              <a:cxn ang="0">
+                <a:pos x="connsiteX14" y="connsiteY14"/>
+              </a:cxn>
+              <a:cxn ang="0">
+                <a:pos x="connsiteX15" y="connsiteY15"/>
+              </a:cxn>
+              <a:cxn ang="0">
+                <a:pos x="connsiteX16" y="connsiteY16"/>
+              </a:cxn>
+              <a:cxn ang="0">
+                <a:pos x="connsiteX17" y="connsiteY17"/>
+              </a:cxn>
+              <a:cxn ang="0">
+                <a:pos x="connsiteX18" y="connsiteY18"/>
+              </a:cxn>
+              <a:cxn ang="0">
+                <a:pos x="connsiteX19" y="connsiteY19"/>
+              </a:cxn>
+              <a:cxn ang="0">
+                <a:pos x="connsiteX20" y="connsiteY20"/>
+              </a:cxn>
+              <a:cxn ang="0">
+                <a:pos x="connsiteX21" y="connsiteY21"/>
+              </a:cxn>
+              <a:cxn ang="0">
+                <a:pos x="connsiteX22" y="connsiteY22"/>
+              </a:cxn>
+              <a:cxn ang="0">
+                <a:pos x="connsiteX23" y="connsiteY23"/>
+              </a:cxn>
+              <a:cxn ang="0">
+                <a:pos x="connsiteX24" y="connsiteY24"/>
+              </a:cxn>
+              <a:cxn ang="0">
+                <a:pos x="connsiteX25" y="connsiteY25"/>
+              </a:cxn>
+              <a:cxn ang="0">
+                <a:pos x="connsiteX26" y="connsiteY26"/>
+              </a:cxn>
+            </a:cxnLst>
+            <a:rect l="l" t="t" r="r" b="b"/>
+            <a:pathLst>
+              <a:path w="7711888" h="523220" fill="none" extrusionOk="0">
+                <a:moveTo>
+                  <a:pt x="0" y="0"/>
+                </a:moveTo>
+                <a:cubicBezTo>
+                  <a:pt x="253507" y="-4707"/>
+                  <a:pt x="471584" y="18619"/>
+                  <a:pt x="719776" y="0"/>
+                </a:cubicBezTo>
+                <a:cubicBezTo>
+                  <a:pt x="967968" y="-18619"/>
+                  <a:pt x="1163866" y="22357"/>
+                  <a:pt x="1516671" y="0"/>
+                </a:cubicBezTo>
+                <a:cubicBezTo>
+                  <a:pt x="1869476" y="-22357"/>
+                  <a:pt x="1822145" y="-8104"/>
+                  <a:pt x="2082210" y="0"/>
+                </a:cubicBezTo>
+                <a:cubicBezTo>
+                  <a:pt x="2342275" y="8104"/>
+                  <a:pt x="2392867" y="-15295"/>
+                  <a:pt x="2570629" y="0"/>
+                </a:cubicBezTo>
+                <a:cubicBezTo>
+                  <a:pt x="2748391" y="15295"/>
+                  <a:pt x="2833953" y="-4664"/>
+                  <a:pt x="3059049" y="0"/>
+                </a:cubicBezTo>
+                <a:cubicBezTo>
+                  <a:pt x="3284145" y="4664"/>
+                  <a:pt x="3433288" y="-18416"/>
+                  <a:pt x="3701706" y="0"/>
+                </a:cubicBezTo>
+                <a:cubicBezTo>
+                  <a:pt x="3970124" y="18416"/>
+                  <a:pt x="4083946" y="-15139"/>
+                  <a:pt x="4267245" y="0"/>
+                </a:cubicBezTo>
+                <a:cubicBezTo>
+                  <a:pt x="4450544" y="15139"/>
+                  <a:pt x="4787258" y="-2923"/>
+                  <a:pt x="4987021" y="0"/>
+                </a:cubicBezTo>
+                <a:cubicBezTo>
+                  <a:pt x="5186784" y="2923"/>
+                  <a:pt x="5362036" y="1757"/>
+                  <a:pt x="5629678" y="0"/>
+                </a:cubicBezTo>
+                <a:cubicBezTo>
+                  <a:pt x="5897320" y="-1757"/>
+                  <a:pt x="6113780" y="12484"/>
+                  <a:pt x="6426573" y="0"/>
+                </a:cubicBezTo>
+                <a:cubicBezTo>
+                  <a:pt x="6739366" y="-12484"/>
+                  <a:pt x="6858711" y="-19424"/>
+                  <a:pt x="7146350" y="0"/>
+                </a:cubicBezTo>
+                <a:cubicBezTo>
+                  <a:pt x="7433989" y="19424"/>
+                  <a:pt x="7559283" y="-129"/>
+                  <a:pt x="7711888" y="0"/>
+                </a:cubicBezTo>
+                <a:cubicBezTo>
+                  <a:pt x="7727396" y="226323"/>
+                  <a:pt x="7734903" y="306997"/>
+                  <a:pt x="7711888" y="523220"/>
+                </a:cubicBezTo>
+                <a:cubicBezTo>
+                  <a:pt x="7393440" y="510967"/>
+                  <a:pt x="7327281" y="544295"/>
+                  <a:pt x="7069231" y="523220"/>
+                </a:cubicBezTo>
+                <a:cubicBezTo>
+                  <a:pt x="6811181" y="502145"/>
+                  <a:pt x="6509708" y="546039"/>
+                  <a:pt x="6349454" y="523220"/>
+                </a:cubicBezTo>
+                <a:cubicBezTo>
+                  <a:pt x="6189200" y="500401"/>
+                  <a:pt x="5925492" y="510338"/>
+                  <a:pt x="5552559" y="523220"/>
+                </a:cubicBezTo>
+                <a:cubicBezTo>
+                  <a:pt x="5179627" y="536102"/>
+                  <a:pt x="5044195" y="551544"/>
+                  <a:pt x="4909902" y="523220"/>
+                </a:cubicBezTo>
+                <a:cubicBezTo>
+                  <a:pt x="4775609" y="494896"/>
+                  <a:pt x="4537004" y="491214"/>
+                  <a:pt x="4267245" y="523220"/>
+                </a:cubicBezTo>
+                <a:cubicBezTo>
+                  <a:pt x="3997486" y="555226"/>
+                  <a:pt x="3873628" y="529441"/>
+                  <a:pt x="3701706" y="523220"/>
+                </a:cubicBezTo>
+                <a:cubicBezTo>
+                  <a:pt x="3529784" y="516999"/>
+                  <a:pt x="3238737" y="545738"/>
+                  <a:pt x="2904811" y="523220"/>
+                </a:cubicBezTo>
+                <a:cubicBezTo>
+                  <a:pt x="2570886" y="500702"/>
+                  <a:pt x="2548078" y="539330"/>
+                  <a:pt x="2262154" y="523220"/>
+                </a:cubicBezTo>
+                <a:cubicBezTo>
+                  <a:pt x="1976230" y="507110"/>
+                  <a:pt x="1901082" y="529733"/>
+                  <a:pt x="1696615" y="523220"/>
+                </a:cubicBezTo>
+                <a:cubicBezTo>
+                  <a:pt x="1492148" y="516707"/>
+                  <a:pt x="1406591" y="532348"/>
+                  <a:pt x="1131077" y="523220"/>
+                </a:cubicBezTo>
+                <a:cubicBezTo>
+                  <a:pt x="855563" y="514092"/>
+                  <a:pt x="829666" y="549692"/>
+                  <a:pt x="565538" y="523220"/>
+                </a:cubicBezTo>
+                <a:cubicBezTo>
+                  <a:pt x="301410" y="496748"/>
+                  <a:pt x="170947" y="505577"/>
+                  <a:pt x="0" y="523220"/>
+                </a:cubicBezTo>
+                <a:cubicBezTo>
+                  <a:pt x="14723" y="297275"/>
+                  <a:pt x="-9491" y="123861"/>
+                  <a:pt x="0" y="0"/>
+                </a:cubicBezTo>
+                <a:close/>
+              </a:path>
+              <a:path w="7711888" h="523220" stroke="0" extrusionOk="0">
+                <a:moveTo>
+                  <a:pt x="0" y="0"/>
+                </a:moveTo>
+                <a:cubicBezTo>
+                  <a:pt x="397057" y="-14998"/>
+                  <a:pt x="431851" y="-19548"/>
+                  <a:pt x="796895" y="0"/>
+                </a:cubicBezTo>
+                <a:cubicBezTo>
+                  <a:pt x="1161939" y="19548"/>
+                  <a:pt x="1297073" y="-33146"/>
+                  <a:pt x="1593790" y="0"/>
+                </a:cubicBezTo>
+                <a:cubicBezTo>
+                  <a:pt x="1890508" y="33146"/>
+                  <a:pt x="1835423" y="16620"/>
+                  <a:pt x="2005091" y="0"/>
+                </a:cubicBezTo>
+                <a:cubicBezTo>
+                  <a:pt x="2174759" y="-16620"/>
+                  <a:pt x="2275631" y="-5073"/>
+                  <a:pt x="2416392" y="0"/>
+                </a:cubicBezTo>
+                <a:cubicBezTo>
+                  <a:pt x="2557153" y="5073"/>
+                  <a:pt x="2700669" y="5367"/>
+                  <a:pt x="2827692" y="0"/>
+                </a:cubicBezTo>
+                <a:cubicBezTo>
+                  <a:pt x="2954715" y="-5367"/>
+                  <a:pt x="3204566" y="7788"/>
+                  <a:pt x="3393231" y="0"/>
+                </a:cubicBezTo>
+                <a:cubicBezTo>
+                  <a:pt x="3581896" y="-7788"/>
+                  <a:pt x="3690523" y="13019"/>
+                  <a:pt x="3881650" y="0"/>
+                </a:cubicBezTo>
+                <a:cubicBezTo>
+                  <a:pt x="4072777" y="-13019"/>
+                  <a:pt x="4252500" y="34399"/>
+                  <a:pt x="4601427" y="0"/>
+                </a:cubicBezTo>
+                <a:cubicBezTo>
+                  <a:pt x="4950354" y="-34399"/>
+                  <a:pt x="4911216" y="23519"/>
+                  <a:pt x="5166965" y="0"/>
+                </a:cubicBezTo>
+                <a:cubicBezTo>
+                  <a:pt x="5422714" y="-23519"/>
+                  <a:pt x="5593825" y="19838"/>
+                  <a:pt x="5732503" y="0"/>
+                </a:cubicBezTo>
+                <a:cubicBezTo>
+                  <a:pt x="5871181" y="-19838"/>
+                  <a:pt x="6130910" y="12079"/>
+                  <a:pt x="6375161" y="0"/>
+                </a:cubicBezTo>
+                <a:cubicBezTo>
+                  <a:pt x="6619412" y="-12079"/>
+                  <a:pt x="6675070" y="-346"/>
+                  <a:pt x="6786461" y="0"/>
+                </a:cubicBezTo>
+                <a:cubicBezTo>
+                  <a:pt x="6897852" y="346"/>
+                  <a:pt x="7287432" y="-42309"/>
+                  <a:pt x="7711888" y="0"/>
+                </a:cubicBezTo>
+                <a:cubicBezTo>
+                  <a:pt x="7699006" y="168374"/>
+                  <a:pt x="7695211" y="301383"/>
+                  <a:pt x="7711888" y="523220"/>
+                </a:cubicBezTo>
+                <a:cubicBezTo>
+                  <a:pt x="7557861" y="551162"/>
+                  <a:pt x="7260668" y="521865"/>
+                  <a:pt x="6992112" y="523220"/>
+                </a:cubicBezTo>
+                <a:cubicBezTo>
+                  <a:pt x="6723556" y="524575"/>
+                  <a:pt x="6539448" y="491361"/>
+                  <a:pt x="6272336" y="523220"/>
+                </a:cubicBezTo>
+                <a:cubicBezTo>
+                  <a:pt x="6005224" y="555079"/>
+                  <a:pt x="5793589" y="538133"/>
+                  <a:pt x="5475440" y="523220"/>
+                </a:cubicBezTo>
+                <a:cubicBezTo>
+                  <a:pt x="5157291" y="508307"/>
+                  <a:pt x="5133258" y="494741"/>
+                  <a:pt x="4832783" y="523220"/>
+                </a:cubicBezTo>
+                <a:cubicBezTo>
+                  <a:pt x="4532308" y="551699"/>
+                  <a:pt x="4406838" y="499362"/>
+                  <a:pt x="4113007" y="523220"/>
+                </a:cubicBezTo>
+                <a:cubicBezTo>
+                  <a:pt x="3819176" y="547078"/>
+                  <a:pt x="3789368" y="515095"/>
+                  <a:pt x="3701706" y="523220"/>
+                </a:cubicBezTo>
+                <a:cubicBezTo>
+                  <a:pt x="3614044" y="531345"/>
+                  <a:pt x="3247035" y="498679"/>
+                  <a:pt x="2904811" y="523220"/>
+                </a:cubicBezTo>
+                <a:cubicBezTo>
+                  <a:pt x="2562587" y="547761"/>
+                  <a:pt x="2606807" y="501884"/>
+                  <a:pt x="2339273" y="523220"/>
+                </a:cubicBezTo>
+                <a:cubicBezTo>
+                  <a:pt x="2071739" y="544556"/>
+                  <a:pt x="2047213" y="510006"/>
+                  <a:pt x="1773734" y="523220"/>
+                </a:cubicBezTo>
+                <a:cubicBezTo>
+                  <a:pt x="1500255" y="536434"/>
+                  <a:pt x="1419722" y="525736"/>
+                  <a:pt x="1208196" y="523220"/>
+                </a:cubicBezTo>
+                <a:cubicBezTo>
+                  <a:pt x="996670" y="520704"/>
+                  <a:pt x="474512" y="513992"/>
+                  <a:pt x="0" y="523220"/>
+                </a:cubicBezTo>
+                <a:cubicBezTo>
+                  <a:pt x="-17284" y="317085"/>
+                  <a:pt x="-11950" y="245663"/>
+                  <a:pt x="0" y="0"/>
+                </a:cubicBezTo>
+                <a:close/>
+              </a:path>
+            </a:pathLst>
+          </a:custGeom>
           <a:solidFill>
             <a:schemeClr val="bg1">
               <a:lumMod val="20000"/>
               <a:lumOff val="80000"/>
             </a:schemeClr>
           </a:solidFill>
+          <a:ln>
+            <a:solidFill>
+              <a:schemeClr val="tx1"/>
+            </a:solidFill>
+            <a:extLst>
+              <a:ext uri="{C807C97D-BFC1-408E-A445-0C87EB9F89A2}">
+                <ask:lineSketchStyleProps xmlns:ask="http://schemas.microsoft.com/office/drawing/2018/sketchyshapes" sd="3608884092">
+                  <a:prstGeom prst="rect">
+                    <a:avLst/>
+                  </a:prstGeom>
+                  <ask:type>
+                    <ask:lineSketchFreehand/>
+                  </ask:type>
+                </ask:lineSketchStyleProps>
+              </a:ext>
+            </a:extLst>
+          </a:ln>
         </p:spPr>
         <p:txBody>
           <a:bodyPr wrap="square" rtlCol="0">
@@ -22214,8 +23928,12 @@
               <a:buChar char="•"/>
             </a:pPr>
             <a:r>
+              <a:rPr lang="fr-FR" i="1" dirty="0"/>
+              <a:t>An </a:t>
+            </a:r>
+            <a:r>
               <a:rPr lang="fr-FR" i="1" dirty="0" err="1"/>
-              <a:t>Another</a:t>
+              <a:t>additional</a:t>
             </a:r>
             <a:r>
               <a:rPr lang="fr-FR" i="1" dirty="0"/>
@@ -23400,6 +25118,6 @@
 
 <file path=docMetadata/LabelInfo.xml><?xml version="1.0" encoding="utf-8"?>
 <clbl:labelList xmlns:clbl="http://schemas.microsoft.com/office/2020/mipLabelMetadata">
-  <clbl:label id="{07222825-62ea-40f3-96b5-5375c07996e2}" enabled="1" method="Privileged" siteId="{90c7a20a-f34b-40bf-bc48-b9253b6f5d20}" contentBits="0" removed="0"/>
+  <clbl:label id="{07222825-62ea-40f3-96b5-5375c07996e2}" enabled="1" method="Privileged" siteId="{90c7a20a-f34b-40bf-bc48-b9253b6f5d20}" removed="0"/>
 </clbl:labelList>
 </file>